--- a/Creative Coding - RoundTable Presentation.pptx
+++ b/Creative Coding - RoundTable Presentation.pptx
@@ -18,11 +18,25 @@
   <p:notesSz cx="6858000" cy="9144000"/>
   <p:embeddedFontLst>
     <p:embeddedFont>
-      <p:font typeface="Roboto Mono"/>
+      <p:font typeface="Economica"/>
       <p:regular r:id="rId11"/>
       <p:bold r:id="rId12"/>
       <p:italic r:id="rId13"/>
       <p:boldItalic r:id="rId14"/>
+    </p:embeddedFont>
+    <p:embeddedFont>
+      <p:font typeface="Roboto Mono"/>
+      <p:regular r:id="rId15"/>
+      <p:bold r:id="rId16"/>
+      <p:italic r:id="rId17"/>
+      <p:boldItalic r:id="rId18"/>
+    </p:embeddedFont>
+    <p:embeddedFont>
+      <p:font typeface="Open Sans"/>
+      <p:regular r:id="rId19"/>
+      <p:bold r:id="rId20"/>
+      <p:italic r:id="rId21"/>
+      <p:boldItalic r:id="rId22"/>
     </p:embeddedFont>
   </p:embeddedFontLst>
   <p:defaultTextStyle>
@@ -702,7 +716,7 @@
   <p:cSld>
     <p:spTree>
       <p:nvGrpSpPr>
-        <p:cNvPr id="50" name="Shape 50"/>
+        <p:cNvPr id="58" name="Shape 58"/>
         <p:cNvGrpSpPr/>
         <p:nvPr/>
       </p:nvGrpSpPr>
@@ -716,7 +730,7 @@
       </p:grpSpPr>
       <p:sp>
         <p:nvSpPr>
-          <p:cNvPr id="51" name="Google Shape;51;p:notes"/>
+          <p:cNvPr id="59" name="Google Shape;59;p:notes"/>
           <p:cNvSpPr/>
           <p:nvPr>
             <p:ph idx="2" type="sldImg"/>
@@ -751,7 +765,7 @@
       </p:sp>
       <p:sp>
         <p:nvSpPr>
-          <p:cNvPr id="52" name="Google Shape;52;p:notes"/>
+          <p:cNvPr id="60" name="Google Shape;60;p:notes"/>
           <p:cNvSpPr txBox="1"/>
           <p:nvPr>
             <p:ph idx="1" type="body"/>
@@ -801,7 +815,7 @@
   <p:cSld>
     <p:spTree>
       <p:nvGrpSpPr>
-        <p:cNvPr id="56" name="Shape 56"/>
+        <p:cNvPr id="64" name="Shape 64"/>
         <p:cNvGrpSpPr/>
         <p:nvPr/>
       </p:nvGrpSpPr>
@@ -815,7 +829,7 @@
       </p:grpSpPr>
       <p:sp>
         <p:nvSpPr>
-          <p:cNvPr id="57" name="Google Shape;57;g4809f3e36e_0_0:notes"/>
+          <p:cNvPr id="65" name="Google Shape;65;g4809f3e36e_0_0:notes"/>
           <p:cNvSpPr/>
           <p:nvPr>
             <p:ph idx="2" type="sldImg"/>
@@ -850,7 +864,7 @@
       </p:sp>
       <p:sp>
         <p:nvSpPr>
-          <p:cNvPr id="58" name="Google Shape;58;g4809f3e36e_0_0:notes"/>
+          <p:cNvPr id="66" name="Google Shape;66;g4809f3e36e_0_0:notes"/>
           <p:cNvSpPr txBox="1"/>
           <p:nvPr>
             <p:ph idx="1" type="body"/>
@@ -900,7 +914,7 @@
   <p:cSld>
     <p:spTree>
       <p:nvGrpSpPr>
-        <p:cNvPr id="64" name="Shape 64"/>
+        <p:cNvPr id="72" name="Shape 72"/>
         <p:cNvGrpSpPr/>
         <p:nvPr/>
       </p:nvGrpSpPr>
@@ -914,7 +928,7 @@
       </p:grpSpPr>
       <p:sp>
         <p:nvSpPr>
-          <p:cNvPr id="65" name="Google Shape;65;g4809f3e36e_0_43:notes"/>
+          <p:cNvPr id="73" name="Google Shape;73;g4809f3e36e_0_43:notes"/>
           <p:cNvSpPr/>
           <p:nvPr>
             <p:ph idx="2" type="sldImg"/>
@@ -949,7 +963,7 @@
       </p:sp>
       <p:sp>
         <p:nvSpPr>
-          <p:cNvPr id="66" name="Google Shape;66;g4809f3e36e_0_43:notes"/>
+          <p:cNvPr id="74" name="Google Shape;74;g4809f3e36e_0_43:notes"/>
           <p:cNvSpPr txBox="1"/>
           <p:nvPr>
             <p:ph idx="1" type="body"/>
@@ -999,7 +1013,7 @@
   <p:cSld>
     <p:spTree>
       <p:nvGrpSpPr>
-        <p:cNvPr id="72" name="Shape 72"/>
+        <p:cNvPr id="80" name="Shape 80"/>
         <p:cNvGrpSpPr/>
         <p:nvPr/>
       </p:nvGrpSpPr>
@@ -1013,7 +1027,7 @@
       </p:grpSpPr>
       <p:sp>
         <p:nvSpPr>
-          <p:cNvPr id="73" name="Google Shape;73;g4809f3e36e_0_12:notes"/>
+          <p:cNvPr id="81" name="Google Shape;81;g4809f3e36e_0_12:notes"/>
           <p:cNvSpPr/>
           <p:nvPr>
             <p:ph idx="2" type="sldImg"/>
@@ -1048,7 +1062,7 @@
       </p:sp>
       <p:sp>
         <p:nvSpPr>
-          <p:cNvPr id="74" name="Google Shape;74;g4809f3e36e_0_12:notes"/>
+          <p:cNvPr id="82" name="Google Shape;82;g4809f3e36e_0_12:notes"/>
           <p:cNvSpPr txBox="1"/>
           <p:nvPr>
             <p:ph idx="1" type="body"/>
@@ -1098,7 +1112,7 @@
   <p:cSld>
     <p:spTree>
       <p:nvGrpSpPr>
-        <p:cNvPr id="81" name="Shape 81"/>
+        <p:cNvPr id="89" name="Shape 89"/>
         <p:cNvGrpSpPr/>
         <p:nvPr/>
       </p:nvGrpSpPr>
@@ -1112,7 +1126,7 @@
       </p:grpSpPr>
       <p:sp>
         <p:nvSpPr>
-          <p:cNvPr id="82" name="Google Shape;82;g4809f3e36e_0_27:notes"/>
+          <p:cNvPr id="90" name="Google Shape;90;g4809f3e36e_0_27:notes"/>
           <p:cNvSpPr/>
           <p:nvPr>
             <p:ph idx="2" type="sldImg"/>
@@ -1147,7 +1161,7 @@
       </p:sp>
       <p:sp>
         <p:nvSpPr>
-          <p:cNvPr id="83" name="Google Shape;83;g4809f3e36e_0_27:notes"/>
+          <p:cNvPr id="91" name="Google Shape;91;g4809f3e36e_0_27:notes"/>
           <p:cNvSpPr txBox="1"/>
           <p:nvPr>
             <p:ph idx="1" type="body"/>
@@ -1212,6 +1226,84 @@
       <p:sp>
         <p:nvSpPr>
           <p:cNvPr id="10" name="Google Shape;10;p2"/>
+          <p:cNvSpPr/>
+          <p:nvPr/>
+        </p:nvSpPr>
+        <p:spPr>
+          <a:xfrm>
+            <a:off x="2744013" y="756700"/>
+            <a:ext cx="1081625" cy="1124950"/>
+          </a:xfrm>
+          <a:custGeom>
+            <a:rect b="b" l="l" r="r" t="t"/>
+            <a:pathLst>
+              <a:path extrusionOk="0" h="44998" w="43265">
+                <a:moveTo>
+                  <a:pt x="0" y="44998"/>
+                </a:moveTo>
+                <a:lnTo>
+                  <a:pt x="0" y="0"/>
+                </a:lnTo>
+                <a:lnTo>
+                  <a:pt x="43265" y="0"/>
+                </a:lnTo>
+              </a:path>
+            </a:pathLst>
+          </a:custGeom>
+          <a:noFill/>
+          <a:ln cap="flat" cmpd="sng" w="28575">
+            <a:solidFill>
+              <a:schemeClr val="lt2"/>
+            </a:solidFill>
+            <a:prstDash val="solid"/>
+            <a:miter lim="8000"/>
+            <a:headEnd len="sm" w="sm" type="none"/>
+            <a:tailEnd len="sm" w="sm" type="none"/>
+          </a:ln>
+        </p:spPr>
+      </p:sp>
+      <p:sp>
+        <p:nvSpPr>
+          <p:cNvPr id="11" name="Google Shape;11;p2"/>
+          <p:cNvSpPr/>
+          <p:nvPr/>
+        </p:nvSpPr>
+        <p:spPr>
+          <a:xfrm rot="10800000">
+            <a:off x="5318350" y="3266725"/>
+            <a:ext cx="1081625" cy="1124950"/>
+          </a:xfrm>
+          <a:custGeom>
+            <a:rect b="b" l="l" r="r" t="t"/>
+            <a:pathLst>
+              <a:path extrusionOk="0" h="44998" w="43265">
+                <a:moveTo>
+                  <a:pt x="0" y="44998"/>
+                </a:moveTo>
+                <a:lnTo>
+                  <a:pt x="0" y="0"/>
+                </a:lnTo>
+                <a:lnTo>
+                  <a:pt x="43265" y="0"/>
+                </a:lnTo>
+              </a:path>
+            </a:pathLst>
+          </a:custGeom>
+          <a:noFill/>
+          <a:ln cap="flat" cmpd="sng" w="28575">
+            <a:solidFill>
+              <a:schemeClr val="lt2"/>
+            </a:solidFill>
+            <a:prstDash val="solid"/>
+            <a:miter lim="8000"/>
+            <a:headEnd len="sm" w="sm" type="none"/>
+            <a:tailEnd len="sm" w="sm" type="none"/>
+          </a:ln>
+        </p:spPr>
+      </p:sp>
+      <p:sp>
+        <p:nvSpPr>
+          <p:cNvPr id="12" name="Google Shape;12;p2"/>
           <p:cNvSpPr txBox="1"/>
           <p:nvPr>
             <p:ph type="ctrTitle"/>
@@ -1219,8 +1311,8 @@
         </p:nvSpPr>
         <p:spPr>
           <a:xfrm>
-            <a:off x="311708" y="744575"/>
-            <a:ext cx="8520600" cy="2052600"/>
+            <a:off x="3044700" y="1444255"/>
+            <a:ext cx="3054600" cy="1537200"/>
           </a:xfrm>
           <a:prstGeom prst="rect">
             <a:avLst/>
@@ -1236,9 +1328,9 @@
               <a:spcAft>
                 <a:spcPts val="0"/>
               </a:spcAft>
-              <a:buSzPts val="5200"/>
-              <a:buNone/>
-              <a:defRPr sz="5200"/>
+              <a:buSzPts val="4200"/>
+              <a:buNone/>
+              <a:defRPr/>
             </a:lvl1pPr>
             <a:lvl2pPr lvl="1" algn="ctr">
               <a:spcBef>
@@ -1247,9 +1339,9 @@
               <a:spcAft>
                 <a:spcPts val="0"/>
               </a:spcAft>
-              <a:buSzPts val="5200"/>
-              <a:buNone/>
-              <a:defRPr sz="5200"/>
+              <a:buSzPts val="4200"/>
+              <a:buNone/>
+              <a:defRPr/>
             </a:lvl2pPr>
             <a:lvl3pPr lvl="2" algn="ctr">
               <a:spcBef>
@@ -1258,9 +1350,9 @@
               <a:spcAft>
                 <a:spcPts val="0"/>
               </a:spcAft>
-              <a:buSzPts val="5200"/>
-              <a:buNone/>
-              <a:defRPr sz="5200"/>
+              <a:buSzPts val="4200"/>
+              <a:buNone/>
+              <a:defRPr/>
             </a:lvl3pPr>
             <a:lvl4pPr lvl="3" algn="ctr">
               <a:spcBef>
@@ -1269,9 +1361,9 @@
               <a:spcAft>
                 <a:spcPts val="0"/>
               </a:spcAft>
-              <a:buSzPts val="5200"/>
-              <a:buNone/>
-              <a:defRPr sz="5200"/>
+              <a:buSzPts val="4200"/>
+              <a:buNone/>
+              <a:defRPr/>
             </a:lvl4pPr>
             <a:lvl5pPr lvl="4" algn="ctr">
               <a:spcBef>
@@ -1280,9 +1372,9 @@
               <a:spcAft>
                 <a:spcPts val="0"/>
               </a:spcAft>
-              <a:buSzPts val="5200"/>
-              <a:buNone/>
-              <a:defRPr sz="5200"/>
+              <a:buSzPts val="4200"/>
+              <a:buNone/>
+              <a:defRPr/>
             </a:lvl5pPr>
             <a:lvl6pPr lvl="5" algn="ctr">
               <a:spcBef>
@@ -1291,9 +1383,9 @@
               <a:spcAft>
                 <a:spcPts val="0"/>
               </a:spcAft>
-              <a:buSzPts val="5200"/>
-              <a:buNone/>
-              <a:defRPr sz="5200"/>
+              <a:buSzPts val="4200"/>
+              <a:buNone/>
+              <a:defRPr/>
             </a:lvl6pPr>
             <a:lvl7pPr lvl="6" algn="ctr">
               <a:spcBef>
@@ -1302,9 +1394,9 @@
               <a:spcAft>
                 <a:spcPts val="0"/>
               </a:spcAft>
-              <a:buSzPts val="5200"/>
-              <a:buNone/>
-              <a:defRPr sz="5200"/>
+              <a:buSzPts val="4200"/>
+              <a:buNone/>
+              <a:defRPr/>
             </a:lvl7pPr>
             <a:lvl8pPr lvl="7" algn="ctr">
               <a:spcBef>
@@ -1313,9 +1405,9 @@
               <a:spcAft>
                 <a:spcPts val="0"/>
               </a:spcAft>
-              <a:buSzPts val="5200"/>
-              <a:buNone/>
-              <a:defRPr sz="5200"/>
+              <a:buSzPts val="4200"/>
+              <a:buNone/>
+              <a:defRPr/>
             </a:lvl8pPr>
             <a:lvl9pPr lvl="8" algn="ctr">
               <a:spcBef>
@@ -1324,9 +1416,9 @@
               <a:spcAft>
                 <a:spcPts val="0"/>
               </a:spcAft>
-              <a:buSzPts val="5200"/>
-              <a:buNone/>
-              <a:defRPr sz="5200"/>
+              <a:buSzPts val="4200"/>
+              <a:buNone/>
+              <a:defRPr/>
             </a:lvl9pPr>
           </a:lstStyle>
           <a:p/>
@@ -1334,7 +1426,7 @@
       </p:sp>
       <p:sp>
         <p:nvSpPr>
-          <p:cNvPr id="11" name="Google Shape;11;p2"/>
+          <p:cNvPr id="13" name="Google Shape;13;p2"/>
           <p:cNvSpPr txBox="1"/>
           <p:nvPr>
             <p:ph idx="1" type="subTitle"/>
@@ -1342,8 +1434,8 @@
         </p:nvSpPr>
         <p:spPr>
           <a:xfrm>
-            <a:off x="311700" y="2834125"/>
-            <a:ext cx="8520600" cy="792600"/>
+            <a:off x="3044700" y="3116580"/>
+            <a:ext cx="3054600" cy="701400"/>
           </a:xfrm>
           <a:prstGeom prst="rect">
             <a:avLst/>
@@ -1362,9 +1454,15 @@
               <a:spcAft>
                 <a:spcPts val="0"/>
               </a:spcAft>
-              <a:buSzPts val="2800"/>
-              <a:buNone/>
-              <a:defRPr sz="2800"/>
+              <a:buSzPts val="2100"/>
+              <a:buFont typeface="Economica"/>
+              <a:buNone/>
+              <a:defRPr sz="2100">
+                <a:latin typeface="Economica"/>
+                <a:ea typeface="Economica"/>
+                <a:cs typeface="Economica"/>
+                <a:sym typeface="Economica"/>
+              </a:defRPr>
             </a:lvl1pPr>
             <a:lvl2pPr lvl="1" algn="ctr">
               <a:lnSpc>
@@ -1376,9 +1474,15 @@
               <a:spcAft>
                 <a:spcPts val="0"/>
               </a:spcAft>
-              <a:buSzPts val="2800"/>
-              <a:buNone/>
-              <a:defRPr sz="2800"/>
+              <a:buSzPts val="2100"/>
+              <a:buFont typeface="Economica"/>
+              <a:buNone/>
+              <a:defRPr sz="2100">
+                <a:latin typeface="Economica"/>
+                <a:ea typeface="Economica"/>
+                <a:cs typeface="Economica"/>
+                <a:sym typeface="Economica"/>
+              </a:defRPr>
             </a:lvl2pPr>
             <a:lvl3pPr lvl="2" algn="ctr">
               <a:lnSpc>
@@ -1390,9 +1494,15 @@
               <a:spcAft>
                 <a:spcPts val="0"/>
               </a:spcAft>
-              <a:buSzPts val="2800"/>
-              <a:buNone/>
-              <a:defRPr sz="2800"/>
+              <a:buSzPts val="2100"/>
+              <a:buFont typeface="Economica"/>
+              <a:buNone/>
+              <a:defRPr sz="2100">
+                <a:latin typeface="Economica"/>
+                <a:ea typeface="Economica"/>
+                <a:cs typeface="Economica"/>
+                <a:sym typeface="Economica"/>
+              </a:defRPr>
             </a:lvl3pPr>
             <a:lvl4pPr lvl="3" algn="ctr">
               <a:lnSpc>
@@ -1404,9 +1514,15 @@
               <a:spcAft>
                 <a:spcPts val="0"/>
               </a:spcAft>
-              <a:buSzPts val="2800"/>
-              <a:buNone/>
-              <a:defRPr sz="2800"/>
+              <a:buSzPts val="2100"/>
+              <a:buFont typeface="Economica"/>
+              <a:buNone/>
+              <a:defRPr sz="2100">
+                <a:latin typeface="Economica"/>
+                <a:ea typeface="Economica"/>
+                <a:cs typeface="Economica"/>
+                <a:sym typeface="Economica"/>
+              </a:defRPr>
             </a:lvl4pPr>
             <a:lvl5pPr lvl="4" algn="ctr">
               <a:lnSpc>
@@ -1418,9 +1534,15 @@
               <a:spcAft>
                 <a:spcPts val="0"/>
               </a:spcAft>
-              <a:buSzPts val="2800"/>
-              <a:buNone/>
-              <a:defRPr sz="2800"/>
+              <a:buSzPts val="2100"/>
+              <a:buFont typeface="Economica"/>
+              <a:buNone/>
+              <a:defRPr sz="2100">
+                <a:latin typeface="Economica"/>
+                <a:ea typeface="Economica"/>
+                <a:cs typeface="Economica"/>
+                <a:sym typeface="Economica"/>
+              </a:defRPr>
             </a:lvl5pPr>
             <a:lvl6pPr lvl="5" algn="ctr">
               <a:lnSpc>
@@ -1432,9 +1554,15 @@
               <a:spcAft>
                 <a:spcPts val="0"/>
               </a:spcAft>
-              <a:buSzPts val="2800"/>
-              <a:buNone/>
-              <a:defRPr sz="2800"/>
+              <a:buSzPts val="2100"/>
+              <a:buFont typeface="Economica"/>
+              <a:buNone/>
+              <a:defRPr sz="2100">
+                <a:latin typeface="Economica"/>
+                <a:ea typeface="Economica"/>
+                <a:cs typeface="Economica"/>
+                <a:sym typeface="Economica"/>
+              </a:defRPr>
             </a:lvl6pPr>
             <a:lvl7pPr lvl="6" algn="ctr">
               <a:lnSpc>
@@ -1446,9 +1574,15 @@
               <a:spcAft>
                 <a:spcPts val="0"/>
               </a:spcAft>
-              <a:buSzPts val="2800"/>
-              <a:buNone/>
-              <a:defRPr sz="2800"/>
+              <a:buSzPts val="2100"/>
+              <a:buFont typeface="Economica"/>
+              <a:buNone/>
+              <a:defRPr sz="2100">
+                <a:latin typeface="Economica"/>
+                <a:ea typeface="Economica"/>
+                <a:cs typeface="Economica"/>
+                <a:sym typeface="Economica"/>
+              </a:defRPr>
             </a:lvl7pPr>
             <a:lvl8pPr lvl="7" algn="ctr">
               <a:lnSpc>
@@ -1460,9 +1594,15 @@
               <a:spcAft>
                 <a:spcPts val="0"/>
               </a:spcAft>
-              <a:buSzPts val="2800"/>
-              <a:buNone/>
-              <a:defRPr sz="2800"/>
+              <a:buSzPts val="2100"/>
+              <a:buFont typeface="Economica"/>
+              <a:buNone/>
+              <a:defRPr sz="2100">
+                <a:latin typeface="Economica"/>
+                <a:ea typeface="Economica"/>
+                <a:cs typeface="Economica"/>
+                <a:sym typeface="Economica"/>
+              </a:defRPr>
             </a:lvl8pPr>
             <a:lvl9pPr lvl="8" algn="ctr">
               <a:lnSpc>
@@ -1474,9 +1614,15 @@
               <a:spcAft>
                 <a:spcPts val="0"/>
               </a:spcAft>
-              <a:buSzPts val="2800"/>
-              <a:buNone/>
-              <a:defRPr sz="2800"/>
+              <a:buSzPts val="2100"/>
+              <a:buFont typeface="Economica"/>
+              <a:buNone/>
+              <a:defRPr sz="2100">
+                <a:latin typeface="Economica"/>
+                <a:ea typeface="Economica"/>
+                <a:cs typeface="Economica"/>
+                <a:sym typeface="Economica"/>
+              </a:defRPr>
             </a:lvl9pPr>
           </a:lstStyle>
           <a:p/>
@@ -1484,7 +1630,7 @@
       </p:sp>
       <p:sp>
         <p:nvSpPr>
-          <p:cNvPr id="12" name="Google Shape;12;p2"/>
+          <p:cNvPr id="14" name="Google Shape;14;p2"/>
           <p:cNvSpPr txBox="1"/>
           <p:nvPr>
             <p:ph idx="12" type="sldNum"/>
@@ -1572,7 +1718,7 @@
   <p:cSld name="BIG_NUMBER">
     <p:spTree>
       <p:nvGrpSpPr>
-        <p:cNvPr id="44" name="Shape 44"/>
+        <p:cNvPr id="51" name="Shape 51"/>
         <p:cNvGrpSpPr/>
         <p:nvPr/>
       </p:nvGrpSpPr>
@@ -1586,7 +1732,50 @@
       </p:grpSpPr>
       <p:sp>
         <p:nvSpPr>
-          <p:cNvPr id="45" name="Google Shape;45;p11"/>
+          <p:cNvPr id="52" name="Google Shape;52;p11"/>
+          <p:cNvSpPr/>
+          <p:nvPr/>
+        </p:nvSpPr>
+        <p:spPr>
+          <a:xfrm>
+            <a:off x="0" y="5045700"/>
+            <a:ext cx="9144000" cy="97800"/>
+          </a:xfrm>
+          <a:prstGeom prst="rect">
+            <a:avLst/>
+          </a:prstGeom>
+          <a:solidFill>
+            <a:schemeClr val="lt2"/>
+          </a:solidFill>
+          <a:ln>
+            <a:noFill/>
+          </a:ln>
+        </p:spPr>
+        <p:txBody>
+          <a:bodyPr anchorCtr="0" anchor="ctr" bIns="91425" lIns="91425" spcFirstLastPara="1" rIns="91425" wrap="square" tIns="91425">
+            <a:noAutofit/>
+          </a:bodyPr>
+          <a:lstStyle/>
+          <a:p>
+            <a:pPr indent="0" lvl="0" marL="0" rtl="0" algn="l">
+              <a:spcBef>
+                <a:spcPts val="0"/>
+              </a:spcBef>
+              <a:spcAft>
+                <a:spcPts val="0"/>
+              </a:spcAft>
+              <a:buNone/>
+            </a:pPr>
+            <a:r>
+              <a:t/>
+            </a:r>
+            <a:endParaRPr/>
+          </a:p>
+        </p:txBody>
+      </p:sp>
+      <p:sp>
+        <p:nvSpPr>
+          <p:cNvPr id="53" name="Google Shape;53;p11"/>
           <p:cNvSpPr txBox="1"/>
           <p:nvPr>
             <p:ph hasCustomPrompt="1" type="title"/>
@@ -1594,15 +1783,15 @@
         </p:nvSpPr>
         <p:spPr>
           <a:xfrm>
-            <a:off x="311700" y="1106125"/>
-            <a:ext cx="8520600" cy="1963500"/>
+            <a:off x="311700" y="957125"/>
+            <a:ext cx="8520600" cy="2128800"/>
           </a:xfrm>
           <a:prstGeom prst="rect">
             <a:avLst/>
           </a:prstGeom>
         </p:spPr>
         <p:txBody>
-          <a:bodyPr anchorCtr="0" anchor="b" bIns="91425" lIns="91425" spcFirstLastPara="1" rIns="91425" wrap="square" tIns="91425"/>
+          <a:bodyPr anchorCtr="0" anchor="ctr" bIns="91425" lIns="91425" spcFirstLastPara="1" rIns="91425" wrap="square" tIns="91425"/>
           <a:lstStyle>
             <a:lvl1pPr lvl="0" algn="ctr">
               <a:spcBef>
@@ -1611,9 +1800,16 @@
               <a:spcAft>
                 <a:spcPts val="0"/>
               </a:spcAft>
-              <a:buSzPts val="12000"/>
-              <a:buNone/>
-              <a:defRPr sz="12000"/>
+              <a:buClr>
+                <a:schemeClr val="lt2"/>
+              </a:buClr>
+              <a:buSzPts val="16000"/>
+              <a:buNone/>
+              <a:defRPr sz="16000">
+                <a:solidFill>
+                  <a:schemeClr val="lt2"/>
+                </a:solidFill>
+              </a:defRPr>
             </a:lvl1pPr>
             <a:lvl2pPr lvl="1" algn="ctr">
               <a:spcBef>
@@ -1622,9 +1818,16 @@
               <a:spcAft>
                 <a:spcPts val="0"/>
               </a:spcAft>
-              <a:buSzPts val="12000"/>
-              <a:buNone/>
-              <a:defRPr sz="12000"/>
+              <a:buClr>
+                <a:schemeClr val="lt2"/>
+              </a:buClr>
+              <a:buSzPts val="16000"/>
+              <a:buNone/>
+              <a:defRPr sz="16000">
+                <a:solidFill>
+                  <a:schemeClr val="lt2"/>
+                </a:solidFill>
+              </a:defRPr>
             </a:lvl2pPr>
             <a:lvl3pPr lvl="2" algn="ctr">
               <a:spcBef>
@@ -1633,9 +1836,16 @@
               <a:spcAft>
                 <a:spcPts val="0"/>
               </a:spcAft>
-              <a:buSzPts val="12000"/>
-              <a:buNone/>
-              <a:defRPr sz="12000"/>
+              <a:buClr>
+                <a:schemeClr val="lt2"/>
+              </a:buClr>
+              <a:buSzPts val="16000"/>
+              <a:buNone/>
+              <a:defRPr sz="16000">
+                <a:solidFill>
+                  <a:schemeClr val="lt2"/>
+                </a:solidFill>
+              </a:defRPr>
             </a:lvl3pPr>
             <a:lvl4pPr lvl="3" algn="ctr">
               <a:spcBef>
@@ -1644,9 +1854,16 @@
               <a:spcAft>
                 <a:spcPts val="0"/>
               </a:spcAft>
-              <a:buSzPts val="12000"/>
-              <a:buNone/>
-              <a:defRPr sz="12000"/>
+              <a:buClr>
+                <a:schemeClr val="lt2"/>
+              </a:buClr>
+              <a:buSzPts val="16000"/>
+              <a:buNone/>
+              <a:defRPr sz="16000">
+                <a:solidFill>
+                  <a:schemeClr val="lt2"/>
+                </a:solidFill>
+              </a:defRPr>
             </a:lvl4pPr>
             <a:lvl5pPr lvl="4" algn="ctr">
               <a:spcBef>
@@ -1655,9 +1872,16 @@
               <a:spcAft>
                 <a:spcPts val="0"/>
               </a:spcAft>
-              <a:buSzPts val="12000"/>
-              <a:buNone/>
-              <a:defRPr sz="12000"/>
+              <a:buClr>
+                <a:schemeClr val="lt2"/>
+              </a:buClr>
+              <a:buSzPts val="16000"/>
+              <a:buNone/>
+              <a:defRPr sz="16000">
+                <a:solidFill>
+                  <a:schemeClr val="lt2"/>
+                </a:solidFill>
+              </a:defRPr>
             </a:lvl5pPr>
             <a:lvl6pPr lvl="5" algn="ctr">
               <a:spcBef>
@@ -1666,9 +1890,16 @@
               <a:spcAft>
                 <a:spcPts val="0"/>
               </a:spcAft>
-              <a:buSzPts val="12000"/>
-              <a:buNone/>
-              <a:defRPr sz="12000"/>
+              <a:buClr>
+                <a:schemeClr val="lt2"/>
+              </a:buClr>
+              <a:buSzPts val="16000"/>
+              <a:buNone/>
+              <a:defRPr sz="16000">
+                <a:solidFill>
+                  <a:schemeClr val="lt2"/>
+                </a:solidFill>
+              </a:defRPr>
             </a:lvl6pPr>
             <a:lvl7pPr lvl="6" algn="ctr">
               <a:spcBef>
@@ -1677,9 +1908,16 @@
               <a:spcAft>
                 <a:spcPts val="0"/>
               </a:spcAft>
-              <a:buSzPts val="12000"/>
-              <a:buNone/>
-              <a:defRPr sz="12000"/>
+              <a:buClr>
+                <a:schemeClr val="lt2"/>
+              </a:buClr>
+              <a:buSzPts val="16000"/>
+              <a:buNone/>
+              <a:defRPr sz="16000">
+                <a:solidFill>
+                  <a:schemeClr val="lt2"/>
+                </a:solidFill>
+              </a:defRPr>
             </a:lvl7pPr>
             <a:lvl8pPr lvl="7" algn="ctr">
               <a:spcBef>
@@ -1688,9 +1926,16 @@
               <a:spcAft>
                 <a:spcPts val="0"/>
               </a:spcAft>
-              <a:buSzPts val="12000"/>
-              <a:buNone/>
-              <a:defRPr sz="12000"/>
+              <a:buClr>
+                <a:schemeClr val="lt2"/>
+              </a:buClr>
+              <a:buSzPts val="16000"/>
+              <a:buNone/>
+              <a:defRPr sz="16000">
+                <a:solidFill>
+                  <a:schemeClr val="lt2"/>
+                </a:solidFill>
+              </a:defRPr>
             </a:lvl8pPr>
             <a:lvl9pPr lvl="8" algn="ctr">
               <a:spcBef>
@@ -1699,9 +1944,16 @@
               <a:spcAft>
                 <a:spcPts val="0"/>
               </a:spcAft>
-              <a:buSzPts val="12000"/>
-              <a:buNone/>
-              <a:defRPr sz="12000"/>
+              <a:buClr>
+                <a:schemeClr val="lt2"/>
+              </a:buClr>
+              <a:buSzPts val="16000"/>
+              <a:buNone/>
+              <a:defRPr sz="16000">
+                <a:solidFill>
+                  <a:schemeClr val="lt2"/>
+                </a:solidFill>
+              </a:defRPr>
             </a:lvl9pPr>
           </a:lstStyle>
           <a:p>
@@ -1713,7 +1965,7 @@
       </p:sp>
       <p:sp>
         <p:nvSpPr>
-          <p:cNvPr id="46" name="Google Shape;46;p11"/>
+          <p:cNvPr id="54" name="Google Shape;54;p11"/>
           <p:cNvSpPr txBox="1"/>
           <p:nvPr>
             <p:ph idx="1" type="body"/>
@@ -1721,8 +1973,8 @@
         </p:nvSpPr>
         <p:spPr>
           <a:xfrm>
-            <a:off x="311700" y="3152225"/>
-            <a:ext cx="8520600" cy="1300800"/>
+            <a:off x="311700" y="3162000"/>
+            <a:ext cx="8520600" cy="1071600"/>
           </a:xfrm>
           <a:prstGeom prst="rect">
             <a:avLst/>
@@ -1836,7 +2088,7 @@
       </p:sp>
       <p:sp>
         <p:nvSpPr>
-          <p:cNvPr id="47" name="Google Shape;47;p11"/>
+          <p:cNvPr id="55" name="Google Shape;55;p11"/>
           <p:cNvSpPr txBox="1"/>
           <p:nvPr>
             <p:ph idx="12" type="sldNum"/>
@@ -1924,7 +2176,7 @@
   <p:cSld name="BLANK">
     <p:spTree>
       <p:nvGrpSpPr>
-        <p:cNvPr id="48" name="Shape 48"/>
+        <p:cNvPr id="56" name="Shape 56"/>
         <p:cNvGrpSpPr/>
         <p:nvPr/>
       </p:nvGrpSpPr>
@@ -1938,7 +2190,7 @@
       </p:grpSpPr>
       <p:sp>
         <p:nvSpPr>
-          <p:cNvPr id="49" name="Google Shape;49;p12"/>
+          <p:cNvPr id="57" name="Google Shape;57;p12"/>
           <p:cNvSpPr txBox="1"/>
           <p:nvPr>
             <p:ph idx="12" type="sldNum"/>
@@ -2026,7 +2278,7 @@
   <p:cSld name="SECTION_HEADER">
     <p:spTree>
       <p:nvGrpSpPr>
-        <p:cNvPr id="13" name="Shape 13"/>
+        <p:cNvPr id="15" name="Shape 15"/>
         <p:cNvGrpSpPr/>
         <p:nvPr/>
       </p:nvGrpSpPr>
@@ -2040,7 +2292,85 @@
       </p:grpSpPr>
       <p:sp>
         <p:nvSpPr>
-          <p:cNvPr id="14" name="Google Shape;14;p3"/>
+          <p:cNvPr id="16" name="Google Shape;16;p3"/>
+          <p:cNvSpPr/>
+          <p:nvPr/>
+        </p:nvSpPr>
+        <p:spPr>
+          <a:xfrm flipH="1">
+            <a:off x="7595938" y="460225"/>
+            <a:ext cx="1081625" cy="1124950"/>
+          </a:xfrm>
+          <a:custGeom>
+            <a:rect b="b" l="l" r="r" t="t"/>
+            <a:pathLst>
+              <a:path extrusionOk="0" h="44998" w="43265">
+                <a:moveTo>
+                  <a:pt x="0" y="44998"/>
+                </a:moveTo>
+                <a:lnTo>
+                  <a:pt x="0" y="0"/>
+                </a:lnTo>
+                <a:lnTo>
+                  <a:pt x="43265" y="0"/>
+                </a:lnTo>
+              </a:path>
+            </a:pathLst>
+          </a:custGeom>
+          <a:noFill/>
+          <a:ln cap="flat" cmpd="sng" w="28575">
+            <a:solidFill>
+              <a:schemeClr val="lt2"/>
+            </a:solidFill>
+            <a:prstDash val="solid"/>
+            <a:miter lim="8000"/>
+            <a:headEnd len="sm" w="sm" type="none"/>
+            <a:tailEnd len="sm" w="sm" type="none"/>
+          </a:ln>
+        </p:spPr>
+      </p:sp>
+      <p:sp>
+        <p:nvSpPr>
+          <p:cNvPr id="17" name="Google Shape;17;p3"/>
+          <p:cNvSpPr/>
+          <p:nvPr/>
+        </p:nvSpPr>
+        <p:spPr>
+          <a:xfrm flipH="1" rot="10800000">
+            <a:off x="466425" y="3558325"/>
+            <a:ext cx="1081625" cy="1124950"/>
+          </a:xfrm>
+          <a:custGeom>
+            <a:rect b="b" l="l" r="r" t="t"/>
+            <a:pathLst>
+              <a:path extrusionOk="0" h="44998" w="43265">
+                <a:moveTo>
+                  <a:pt x="0" y="44998"/>
+                </a:moveTo>
+                <a:lnTo>
+                  <a:pt x="0" y="0"/>
+                </a:lnTo>
+                <a:lnTo>
+                  <a:pt x="43265" y="0"/>
+                </a:lnTo>
+              </a:path>
+            </a:pathLst>
+          </a:custGeom>
+          <a:noFill/>
+          <a:ln cap="flat" cmpd="sng" w="28575">
+            <a:solidFill>
+              <a:schemeClr val="lt2"/>
+            </a:solidFill>
+            <a:prstDash val="solid"/>
+            <a:miter lim="8000"/>
+            <a:headEnd len="sm" w="sm" type="none"/>
+            <a:tailEnd len="sm" w="sm" type="none"/>
+          </a:ln>
+        </p:spPr>
+      </p:sp>
+      <p:sp>
+        <p:nvSpPr>
+          <p:cNvPr id="18" name="Google Shape;18;p3"/>
           <p:cNvSpPr txBox="1"/>
           <p:nvPr>
             <p:ph type="title"/>
@@ -2048,8 +2378,8 @@
         </p:nvSpPr>
         <p:spPr>
           <a:xfrm>
-            <a:off x="311700" y="2150850"/>
-            <a:ext cx="8520600" cy="841800"/>
+            <a:off x="773700" y="1806450"/>
+            <a:ext cx="7596600" cy="1530600"/>
           </a:xfrm>
           <a:prstGeom prst="rect">
             <a:avLst/>
@@ -2065,9 +2395,9 @@
               <a:spcAft>
                 <a:spcPts val="0"/>
               </a:spcAft>
-              <a:buSzPts val="3600"/>
-              <a:buNone/>
-              <a:defRPr sz="3600"/>
+              <a:buSzPts val="4200"/>
+              <a:buNone/>
+              <a:defRPr/>
             </a:lvl1pPr>
             <a:lvl2pPr lvl="1" algn="ctr">
               <a:spcBef>
@@ -2076,9 +2406,9 @@
               <a:spcAft>
                 <a:spcPts val="0"/>
               </a:spcAft>
-              <a:buSzPts val="3600"/>
-              <a:buNone/>
-              <a:defRPr sz="3600"/>
+              <a:buSzPts val="4200"/>
+              <a:buNone/>
+              <a:defRPr/>
             </a:lvl2pPr>
             <a:lvl3pPr lvl="2" algn="ctr">
               <a:spcBef>
@@ -2087,9 +2417,9 @@
               <a:spcAft>
                 <a:spcPts val="0"/>
               </a:spcAft>
-              <a:buSzPts val="3600"/>
-              <a:buNone/>
-              <a:defRPr sz="3600"/>
+              <a:buSzPts val="4200"/>
+              <a:buNone/>
+              <a:defRPr/>
             </a:lvl3pPr>
             <a:lvl4pPr lvl="3" algn="ctr">
               <a:spcBef>
@@ -2098,9 +2428,9 @@
               <a:spcAft>
                 <a:spcPts val="0"/>
               </a:spcAft>
-              <a:buSzPts val="3600"/>
-              <a:buNone/>
-              <a:defRPr sz="3600"/>
+              <a:buSzPts val="4200"/>
+              <a:buNone/>
+              <a:defRPr/>
             </a:lvl4pPr>
             <a:lvl5pPr lvl="4" algn="ctr">
               <a:spcBef>
@@ -2109,9 +2439,9 @@
               <a:spcAft>
                 <a:spcPts val="0"/>
               </a:spcAft>
-              <a:buSzPts val="3600"/>
-              <a:buNone/>
-              <a:defRPr sz="3600"/>
+              <a:buSzPts val="4200"/>
+              <a:buNone/>
+              <a:defRPr/>
             </a:lvl5pPr>
             <a:lvl6pPr lvl="5" algn="ctr">
               <a:spcBef>
@@ -2120,9 +2450,9 @@
               <a:spcAft>
                 <a:spcPts val="0"/>
               </a:spcAft>
-              <a:buSzPts val="3600"/>
-              <a:buNone/>
-              <a:defRPr sz="3600"/>
+              <a:buSzPts val="4200"/>
+              <a:buNone/>
+              <a:defRPr/>
             </a:lvl6pPr>
             <a:lvl7pPr lvl="6" algn="ctr">
               <a:spcBef>
@@ -2131,9 +2461,9 @@
               <a:spcAft>
                 <a:spcPts val="0"/>
               </a:spcAft>
-              <a:buSzPts val="3600"/>
-              <a:buNone/>
-              <a:defRPr sz="3600"/>
+              <a:buSzPts val="4200"/>
+              <a:buNone/>
+              <a:defRPr/>
             </a:lvl7pPr>
             <a:lvl8pPr lvl="7" algn="ctr">
               <a:spcBef>
@@ -2142,9 +2472,9 @@
               <a:spcAft>
                 <a:spcPts val="0"/>
               </a:spcAft>
-              <a:buSzPts val="3600"/>
-              <a:buNone/>
-              <a:defRPr sz="3600"/>
+              <a:buSzPts val="4200"/>
+              <a:buNone/>
+              <a:defRPr/>
             </a:lvl8pPr>
             <a:lvl9pPr lvl="8" algn="ctr">
               <a:spcBef>
@@ -2153,9 +2483,9 @@
               <a:spcAft>
                 <a:spcPts val="0"/>
               </a:spcAft>
-              <a:buSzPts val="3600"/>
-              <a:buNone/>
-              <a:defRPr sz="3600"/>
+              <a:buSzPts val="4200"/>
+              <a:buNone/>
+              <a:defRPr/>
             </a:lvl9pPr>
           </a:lstStyle>
           <a:p/>
@@ -2163,7 +2493,7 @@
       </p:sp>
       <p:sp>
         <p:nvSpPr>
-          <p:cNvPr id="15" name="Google Shape;15;p3"/>
+          <p:cNvPr id="19" name="Google Shape;19;p3"/>
           <p:cNvSpPr txBox="1"/>
           <p:nvPr>
             <p:ph idx="12" type="sldNum"/>
@@ -2251,7 +2581,7 @@
   <p:cSld name="TITLE_AND_BODY">
     <p:spTree>
       <p:nvGrpSpPr>
-        <p:cNvPr id="16" name="Shape 16"/>
+        <p:cNvPr id="20" name="Shape 20"/>
         <p:cNvGrpSpPr/>
         <p:nvPr/>
       </p:nvGrpSpPr>
@@ -2265,7 +2595,50 @@
       </p:grpSpPr>
       <p:sp>
         <p:nvSpPr>
-          <p:cNvPr id="17" name="Google Shape;17;p4"/>
+          <p:cNvPr id="21" name="Google Shape;21;p4"/>
+          <p:cNvSpPr/>
+          <p:nvPr/>
+        </p:nvSpPr>
+        <p:spPr>
+          <a:xfrm>
+            <a:off x="0" y="5045700"/>
+            <a:ext cx="9144000" cy="97800"/>
+          </a:xfrm>
+          <a:prstGeom prst="rect">
+            <a:avLst/>
+          </a:prstGeom>
+          <a:solidFill>
+            <a:schemeClr val="lt2"/>
+          </a:solidFill>
+          <a:ln>
+            <a:noFill/>
+          </a:ln>
+        </p:spPr>
+        <p:txBody>
+          <a:bodyPr anchorCtr="0" anchor="ctr" bIns="91425" lIns="91425" spcFirstLastPara="1" rIns="91425" wrap="square" tIns="91425">
+            <a:noAutofit/>
+          </a:bodyPr>
+          <a:lstStyle/>
+          <a:p>
+            <a:pPr indent="0" lvl="0" marL="0" rtl="0" algn="l">
+              <a:spcBef>
+                <a:spcPts val="0"/>
+              </a:spcBef>
+              <a:spcAft>
+                <a:spcPts val="0"/>
+              </a:spcAft>
+              <a:buNone/>
+            </a:pPr>
+            <a:r>
+              <a:t/>
+            </a:r>
+            <a:endParaRPr/>
+          </a:p>
+        </p:txBody>
+      </p:sp>
+      <p:sp>
+        <p:nvSpPr>
+          <p:cNvPr id="22" name="Google Shape;22;p4"/>
           <p:cNvSpPr txBox="1"/>
           <p:nvPr>
             <p:ph type="title"/>
@@ -2273,15 +2646,15 @@
         </p:nvSpPr>
         <p:spPr>
           <a:xfrm>
-            <a:off x="311700" y="445025"/>
-            <a:ext cx="8520600" cy="572700"/>
+            <a:off x="311700" y="315925"/>
+            <a:ext cx="8520600" cy="831300"/>
           </a:xfrm>
           <a:prstGeom prst="rect">
             <a:avLst/>
           </a:prstGeom>
         </p:spPr>
         <p:txBody>
-          <a:bodyPr anchorCtr="0" anchor="t" bIns="91425" lIns="91425" spcFirstLastPara="1" rIns="91425" wrap="square" tIns="91425"/>
+          <a:bodyPr anchorCtr="0" anchor="b" bIns="91425" lIns="91425" spcFirstLastPara="1" rIns="91425" wrap="square" tIns="91425"/>
           <a:lstStyle>
             <a:lvl1pPr lvl="0">
               <a:spcBef>
@@ -2290,7 +2663,7 @@
               <a:spcAft>
                 <a:spcPts val="0"/>
               </a:spcAft>
-              <a:buSzPts val="2800"/>
+              <a:buSzPts val="4200"/>
               <a:buNone/>
               <a:defRPr/>
             </a:lvl1pPr>
@@ -2301,7 +2674,7 @@
               <a:spcAft>
                 <a:spcPts val="0"/>
               </a:spcAft>
-              <a:buSzPts val="2800"/>
+              <a:buSzPts val="4200"/>
               <a:buNone/>
               <a:defRPr/>
             </a:lvl2pPr>
@@ -2312,7 +2685,7 @@
               <a:spcAft>
                 <a:spcPts val="0"/>
               </a:spcAft>
-              <a:buSzPts val="2800"/>
+              <a:buSzPts val="4200"/>
               <a:buNone/>
               <a:defRPr/>
             </a:lvl3pPr>
@@ -2323,7 +2696,7 @@
               <a:spcAft>
                 <a:spcPts val="0"/>
               </a:spcAft>
-              <a:buSzPts val="2800"/>
+              <a:buSzPts val="4200"/>
               <a:buNone/>
               <a:defRPr/>
             </a:lvl4pPr>
@@ -2334,7 +2707,7 @@
               <a:spcAft>
                 <a:spcPts val="0"/>
               </a:spcAft>
-              <a:buSzPts val="2800"/>
+              <a:buSzPts val="4200"/>
               <a:buNone/>
               <a:defRPr/>
             </a:lvl5pPr>
@@ -2345,7 +2718,7 @@
               <a:spcAft>
                 <a:spcPts val="0"/>
               </a:spcAft>
-              <a:buSzPts val="2800"/>
+              <a:buSzPts val="4200"/>
               <a:buNone/>
               <a:defRPr/>
             </a:lvl6pPr>
@@ -2356,7 +2729,7 @@
               <a:spcAft>
                 <a:spcPts val="0"/>
               </a:spcAft>
-              <a:buSzPts val="2800"/>
+              <a:buSzPts val="4200"/>
               <a:buNone/>
               <a:defRPr/>
             </a:lvl7pPr>
@@ -2367,7 +2740,7 @@
               <a:spcAft>
                 <a:spcPts val="0"/>
               </a:spcAft>
-              <a:buSzPts val="2800"/>
+              <a:buSzPts val="4200"/>
               <a:buNone/>
               <a:defRPr/>
             </a:lvl8pPr>
@@ -2378,7 +2751,7 @@
               <a:spcAft>
                 <a:spcPts val="0"/>
               </a:spcAft>
-              <a:buSzPts val="2800"/>
+              <a:buSzPts val="4200"/>
               <a:buNone/>
               <a:defRPr/>
             </a:lvl9pPr>
@@ -2388,7 +2761,7 @@
       </p:sp>
       <p:sp>
         <p:nvSpPr>
-          <p:cNvPr id="18" name="Google Shape;18;p4"/>
+          <p:cNvPr id="23" name="Google Shape;23;p4"/>
           <p:cNvSpPr txBox="1"/>
           <p:nvPr>
             <p:ph idx="1" type="body"/>
@@ -2396,8 +2769,8 @@
         </p:nvSpPr>
         <p:spPr>
           <a:xfrm>
-            <a:off x="311700" y="1152475"/>
-            <a:ext cx="8520600" cy="3416400"/>
+            <a:off x="311700" y="1225225"/>
+            <a:ext cx="8520600" cy="3354000"/>
           </a:xfrm>
           <a:prstGeom prst="rect">
             <a:avLst/>
@@ -2511,7 +2884,7 @@
       </p:sp>
       <p:sp>
         <p:nvSpPr>
-          <p:cNvPr id="19" name="Google Shape;19;p4"/>
+          <p:cNvPr id="24" name="Google Shape;24;p4"/>
           <p:cNvSpPr txBox="1"/>
           <p:nvPr>
             <p:ph idx="12" type="sldNum"/>
@@ -2599,7 +2972,7 @@
   <p:cSld name="TITLE_AND_TWO_COLUMNS">
     <p:spTree>
       <p:nvGrpSpPr>
-        <p:cNvPr id="20" name="Shape 20"/>
+        <p:cNvPr id="25" name="Shape 25"/>
         <p:cNvGrpSpPr/>
         <p:nvPr/>
       </p:nvGrpSpPr>
@@ -2613,7 +2986,7 @@
       </p:grpSpPr>
       <p:sp>
         <p:nvSpPr>
-          <p:cNvPr id="21" name="Google Shape;21;p5"/>
+          <p:cNvPr id="26" name="Google Shape;26;p5"/>
           <p:cNvSpPr txBox="1"/>
           <p:nvPr>
             <p:ph type="title"/>
@@ -2621,15 +2994,15 @@
         </p:nvSpPr>
         <p:spPr>
           <a:xfrm>
-            <a:off x="311700" y="445025"/>
-            <a:ext cx="8520600" cy="572700"/>
+            <a:off x="311700" y="315925"/>
+            <a:ext cx="8520600" cy="831300"/>
           </a:xfrm>
           <a:prstGeom prst="rect">
             <a:avLst/>
           </a:prstGeom>
         </p:spPr>
         <p:txBody>
-          <a:bodyPr anchorCtr="0" anchor="t" bIns="91425" lIns="91425" spcFirstLastPara="1" rIns="91425" wrap="square" tIns="91425"/>
+          <a:bodyPr anchorCtr="0" anchor="b" bIns="91425" lIns="91425" spcFirstLastPara="1" rIns="91425" wrap="square" tIns="91425"/>
           <a:lstStyle>
             <a:lvl1pPr lvl="0">
               <a:spcBef>
@@ -2638,7 +3011,7 @@
               <a:spcAft>
                 <a:spcPts val="0"/>
               </a:spcAft>
-              <a:buSzPts val="2800"/>
+              <a:buSzPts val="4200"/>
               <a:buNone/>
               <a:defRPr/>
             </a:lvl1pPr>
@@ -2649,7 +3022,7 @@
               <a:spcAft>
                 <a:spcPts val="0"/>
               </a:spcAft>
-              <a:buSzPts val="2800"/>
+              <a:buSzPts val="4200"/>
               <a:buNone/>
               <a:defRPr/>
             </a:lvl2pPr>
@@ -2660,7 +3033,7 @@
               <a:spcAft>
                 <a:spcPts val="0"/>
               </a:spcAft>
-              <a:buSzPts val="2800"/>
+              <a:buSzPts val="4200"/>
               <a:buNone/>
               <a:defRPr/>
             </a:lvl3pPr>
@@ -2671,7 +3044,7 @@
               <a:spcAft>
                 <a:spcPts val="0"/>
               </a:spcAft>
-              <a:buSzPts val="2800"/>
+              <a:buSzPts val="4200"/>
               <a:buNone/>
               <a:defRPr/>
             </a:lvl4pPr>
@@ -2682,7 +3055,7 @@
               <a:spcAft>
                 <a:spcPts val="0"/>
               </a:spcAft>
-              <a:buSzPts val="2800"/>
+              <a:buSzPts val="4200"/>
               <a:buNone/>
               <a:defRPr/>
             </a:lvl5pPr>
@@ -2693,7 +3066,7 @@
               <a:spcAft>
                 <a:spcPts val="0"/>
               </a:spcAft>
-              <a:buSzPts val="2800"/>
+              <a:buSzPts val="4200"/>
               <a:buNone/>
               <a:defRPr/>
             </a:lvl6pPr>
@@ -2704,7 +3077,7 @@
               <a:spcAft>
                 <a:spcPts val="0"/>
               </a:spcAft>
-              <a:buSzPts val="2800"/>
+              <a:buSzPts val="4200"/>
               <a:buNone/>
               <a:defRPr/>
             </a:lvl7pPr>
@@ -2715,7 +3088,7 @@
               <a:spcAft>
                 <a:spcPts val="0"/>
               </a:spcAft>
-              <a:buSzPts val="2800"/>
+              <a:buSzPts val="4200"/>
               <a:buNone/>
               <a:defRPr/>
             </a:lvl8pPr>
@@ -2726,7 +3099,7 @@
               <a:spcAft>
                 <a:spcPts val="0"/>
               </a:spcAft>
-              <a:buSzPts val="2800"/>
+              <a:buSzPts val="4200"/>
               <a:buNone/>
               <a:defRPr/>
             </a:lvl9pPr>
@@ -2736,7 +3109,7 @@
       </p:sp>
       <p:sp>
         <p:nvSpPr>
-          <p:cNvPr id="22" name="Google Shape;22;p5"/>
+          <p:cNvPr id="27" name="Google Shape;27;p5"/>
           <p:cNvSpPr txBox="1"/>
           <p:nvPr>
             <p:ph idx="1" type="body"/>
@@ -2744,8 +3117,8 @@
         </p:nvSpPr>
         <p:spPr>
           <a:xfrm>
-            <a:off x="311700" y="1152475"/>
-            <a:ext cx="3999900" cy="3416400"/>
+            <a:off x="311700" y="1225225"/>
+            <a:ext cx="3999900" cy="3354000"/>
           </a:xfrm>
           <a:prstGeom prst="rect">
             <a:avLst/>
@@ -2859,7 +3232,7 @@
       </p:sp>
       <p:sp>
         <p:nvSpPr>
-          <p:cNvPr id="23" name="Google Shape;23;p5"/>
+          <p:cNvPr id="28" name="Google Shape;28;p5"/>
           <p:cNvSpPr txBox="1"/>
           <p:nvPr>
             <p:ph idx="2" type="body"/>
@@ -2867,8 +3240,8 @@
         </p:nvSpPr>
         <p:spPr>
           <a:xfrm>
-            <a:off x="4832400" y="1152475"/>
-            <a:ext cx="3999900" cy="3416400"/>
+            <a:off x="4832400" y="1225225"/>
+            <a:ext cx="3999900" cy="3354000"/>
           </a:xfrm>
           <a:prstGeom prst="rect">
             <a:avLst/>
@@ -2982,7 +3355,7 @@
       </p:sp>
       <p:sp>
         <p:nvSpPr>
-          <p:cNvPr id="24" name="Google Shape;24;p5"/>
+          <p:cNvPr id="29" name="Google Shape;29;p5"/>
           <p:cNvSpPr txBox="1"/>
           <p:nvPr>
             <p:ph idx="12" type="sldNum"/>
@@ -3070,7 +3443,7 @@
   <p:cSld name="TITLE_ONLY">
     <p:spTree>
       <p:nvGrpSpPr>
-        <p:cNvPr id="25" name="Shape 25"/>
+        <p:cNvPr id="30" name="Shape 30"/>
         <p:cNvGrpSpPr/>
         <p:nvPr/>
       </p:nvGrpSpPr>
@@ -3084,7 +3457,7 @@
       </p:grpSpPr>
       <p:sp>
         <p:nvSpPr>
-          <p:cNvPr id="26" name="Google Shape;26;p6"/>
+          <p:cNvPr id="31" name="Google Shape;31;p6"/>
           <p:cNvSpPr txBox="1"/>
           <p:nvPr>
             <p:ph type="title"/>
@@ -3092,15 +3465,15 @@
         </p:nvSpPr>
         <p:spPr>
           <a:xfrm>
-            <a:off x="311700" y="445025"/>
-            <a:ext cx="8520600" cy="572700"/>
+            <a:off x="311700" y="315925"/>
+            <a:ext cx="8520600" cy="831300"/>
           </a:xfrm>
           <a:prstGeom prst="rect">
             <a:avLst/>
           </a:prstGeom>
         </p:spPr>
         <p:txBody>
-          <a:bodyPr anchorCtr="0" anchor="t" bIns="91425" lIns="91425" spcFirstLastPara="1" rIns="91425" wrap="square" tIns="91425"/>
+          <a:bodyPr anchorCtr="0" anchor="b" bIns="91425" lIns="91425" spcFirstLastPara="1" rIns="91425" wrap="square" tIns="91425"/>
           <a:lstStyle>
             <a:lvl1pPr lvl="0">
               <a:spcBef>
@@ -3109,7 +3482,7 @@
               <a:spcAft>
                 <a:spcPts val="0"/>
               </a:spcAft>
-              <a:buSzPts val="2800"/>
+              <a:buSzPts val="4200"/>
               <a:buNone/>
               <a:defRPr/>
             </a:lvl1pPr>
@@ -3120,7 +3493,7 @@
               <a:spcAft>
                 <a:spcPts val="0"/>
               </a:spcAft>
-              <a:buSzPts val="2800"/>
+              <a:buSzPts val="4200"/>
               <a:buNone/>
               <a:defRPr/>
             </a:lvl2pPr>
@@ -3131,7 +3504,7 @@
               <a:spcAft>
                 <a:spcPts val="0"/>
               </a:spcAft>
-              <a:buSzPts val="2800"/>
+              <a:buSzPts val="4200"/>
               <a:buNone/>
               <a:defRPr/>
             </a:lvl3pPr>
@@ -3142,7 +3515,7 @@
               <a:spcAft>
                 <a:spcPts val="0"/>
               </a:spcAft>
-              <a:buSzPts val="2800"/>
+              <a:buSzPts val="4200"/>
               <a:buNone/>
               <a:defRPr/>
             </a:lvl4pPr>
@@ -3153,7 +3526,7 @@
               <a:spcAft>
                 <a:spcPts val="0"/>
               </a:spcAft>
-              <a:buSzPts val="2800"/>
+              <a:buSzPts val="4200"/>
               <a:buNone/>
               <a:defRPr/>
             </a:lvl5pPr>
@@ -3164,7 +3537,7 @@
               <a:spcAft>
                 <a:spcPts val="0"/>
               </a:spcAft>
-              <a:buSzPts val="2800"/>
+              <a:buSzPts val="4200"/>
               <a:buNone/>
               <a:defRPr/>
             </a:lvl6pPr>
@@ -3175,7 +3548,7 @@
               <a:spcAft>
                 <a:spcPts val="0"/>
               </a:spcAft>
-              <a:buSzPts val="2800"/>
+              <a:buSzPts val="4200"/>
               <a:buNone/>
               <a:defRPr/>
             </a:lvl7pPr>
@@ -3186,7 +3559,7 @@
               <a:spcAft>
                 <a:spcPts val="0"/>
               </a:spcAft>
-              <a:buSzPts val="2800"/>
+              <a:buSzPts val="4200"/>
               <a:buNone/>
               <a:defRPr/>
             </a:lvl8pPr>
@@ -3197,7 +3570,7 @@
               <a:spcAft>
                 <a:spcPts val="0"/>
               </a:spcAft>
-              <a:buSzPts val="2800"/>
+              <a:buSzPts val="4200"/>
               <a:buNone/>
               <a:defRPr/>
             </a:lvl9pPr>
@@ -3207,7 +3580,7 @@
       </p:sp>
       <p:sp>
         <p:nvSpPr>
-          <p:cNvPr id="27" name="Google Shape;27;p6"/>
+          <p:cNvPr id="32" name="Google Shape;32;p6"/>
           <p:cNvSpPr txBox="1"/>
           <p:nvPr>
             <p:ph idx="12" type="sldNum"/>
@@ -3295,7 +3668,7 @@
   <p:cSld name="ONE_COLUMN_TEXT">
     <p:spTree>
       <p:nvGrpSpPr>
-        <p:cNvPr id="28" name="Shape 28"/>
+        <p:cNvPr id="33" name="Shape 33"/>
         <p:cNvGrpSpPr/>
         <p:nvPr/>
       </p:nvGrpSpPr>
@@ -3309,7 +3682,7 @@
       </p:grpSpPr>
       <p:sp>
         <p:nvSpPr>
-          <p:cNvPr id="29" name="Google Shape;29;p7"/>
+          <p:cNvPr id="34" name="Google Shape;34;p7"/>
           <p:cNvSpPr txBox="1"/>
           <p:nvPr>
             <p:ph type="title"/>
@@ -3334,9 +3707,9 @@
               <a:spcAft>
                 <a:spcPts val="0"/>
               </a:spcAft>
-              <a:buSzPts val="2400"/>
-              <a:buNone/>
-              <a:defRPr sz="2400"/>
+              <a:buSzPts val="3000"/>
+              <a:buNone/>
+              <a:defRPr sz="3000"/>
             </a:lvl1pPr>
             <a:lvl2pPr lvl="1">
               <a:spcBef>
@@ -3345,9 +3718,9 @@
               <a:spcAft>
                 <a:spcPts val="0"/>
               </a:spcAft>
-              <a:buSzPts val="2400"/>
-              <a:buNone/>
-              <a:defRPr sz="2400"/>
+              <a:buSzPts val="3000"/>
+              <a:buNone/>
+              <a:defRPr sz="3000"/>
             </a:lvl2pPr>
             <a:lvl3pPr lvl="2">
               <a:spcBef>
@@ -3356,9 +3729,9 @@
               <a:spcAft>
                 <a:spcPts val="0"/>
               </a:spcAft>
-              <a:buSzPts val="2400"/>
-              <a:buNone/>
-              <a:defRPr sz="2400"/>
+              <a:buSzPts val="3000"/>
+              <a:buNone/>
+              <a:defRPr sz="3000"/>
             </a:lvl3pPr>
             <a:lvl4pPr lvl="3">
               <a:spcBef>
@@ -3367,9 +3740,9 @@
               <a:spcAft>
                 <a:spcPts val="0"/>
               </a:spcAft>
-              <a:buSzPts val="2400"/>
-              <a:buNone/>
-              <a:defRPr sz="2400"/>
+              <a:buSzPts val="3000"/>
+              <a:buNone/>
+              <a:defRPr sz="3000"/>
             </a:lvl4pPr>
             <a:lvl5pPr lvl="4">
               <a:spcBef>
@@ -3378,9 +3751,9 @@
               <a:spcAft>
                 <a:spcPts val="0"/>
               </a:spcAft>
-              <a:buSzPts val="2400"/>
-              <a:buNone/>
-              <a:defRPr sz="2400"/>
+              <a:buSzPts val="3000"/>
+              <a:buNone/>
+              <a:defRPr sz="3000"/>
             </a:lvl5pPr>
             <a:lvl6pPr lvl="5">
               <a:spcBef>
@@ -3389,9 +3762,9 @@
               <a:spcAft>
                 <a:spcPts val="0"/>
               </a:spcAft>
-              <a:buSzPts val="2400"/>
-              <a:buNone/>
-              <a:defRPr sz="2400"/>
+              <a:buSzPts val="3000"/>
+              <a:buNone/>
+              <a:defRPr sz="3000"/>
             </a:lvl6pPr>
             <a:lvl7pPr lvl="6">
               <a:spcBef>
@@ -3400,9 +3773,9 @@
               <a:spcAft>
                 <a:spcPts val="0"/>
               </a:spcAft>
-              <a:buSzPts val="2400"/>
-              <a:buNone/>
-              <a:defRPr sz="2400"/>
+              <a:buSzPts val="3000"/>
+              <a:buNone/>
+              <a:defRPr sz="3000"/>
             </a:lvl7pPr>
             <a:lvl8pPr lvl="7">
               <a:spcBef>
@@ -3411,9 +3784,9 @@
               <a:spcAft>
                 <a:spcPts val="0"/>
               </a:spcAft>
-              <a:buSzPts val="2400"/>
-              <a:buNone/>
-              <a:defRPr sz="2400"/>
+              <a:buSzPts val="3000"/>
+              <a:buNone/>
+              <a:defRPr sz="3000"/>
             </a:lvl8pPr>
             <a:lvl9pPr lvl="8">
               <a:spcBef>
@@ -3422,9 +3795,9 @@
               <a:spcAft>
                 <a:spcPts val="0"/>
               </a:spcAft>
-              <a:buSzPts val="2400"/>
-              <a:buNone/>
-              <a:defRPr sz="2400"/>
+              <a:buSzPts val="3000"/>
+              <a:buNone/>
+              <a:defRPr sz="3000"/>
             </a:lvl9pPr>
           </a:lstStyle>
           <a:p/>
@@ -3432,7 +3805,7 @@
       </p:sp>
       <p:sp>
         <p:nvSpPr>
-          <p:cNvPr id="30" name="Google Shape;30;p7"/>
+          <p:cNvPr id="35" name="Google Shape;35;p7"/>
           <p:cNvSpPr txBox="1"/>
           <p:nvPr>
             <p:ph idx="1" type="body"/>
@@ -3440,8 +3813,8 @@
         </p:nvSpPr>
         <p:spPr>
           <a:xfrm>
-            <a:off x="311700" y="1389600"/>
-            <a:ext cx="2808000" cy="3179400"/>
+            <a:off x="311700" y="1399400"/>
+            <a:ext cx="2808000" cy="2784900"/>
           </a:xfrm>
           <a:prstGeom prst="rect">
             <a:avLst/>
@@ -3555,7 +3928,7 @@
       </p:sp>
       <p:sp>
         <p:nvSpPr>
-          <p:cNvPr id="31" name="Google Shape;31;p7"/>
+          <p:cNvPr id="36" name="Google Shape;36;p7"/>
           <p:cNvSpPr txBox="1"/>
           <p:nvPr>
             <p:ph idx="12" type="sldNum"/>
@@ -3643,7 +4016,7 @@
   <p:cSld name="MAIN_POINT">
     <p:spTree>
       <p:nvGrpSpPr>
-        <p:cNvPr id="32" name="Shape 32"/>
+        <p:cNvPr id="37" name="Shape 37"/>
         <p:cNvGrpSpPr/>
         <p:nvPr/>
       </p:nvGrpSpPr>
@@ -3657,7 +4030,50 @@
       </p:grpSpPr>
       <p:sp>
         <p:nvSpPr>
-          <p:cNvPr id="33" name="Google Shape;33;p8"/>
+          <p:cNvPr id="38" name="Google Shape;38;p8"/>
+          <p:cNvSpPr/>
+          <p:nvPr/>
+        </p:nvSpPr>
+        <p:spPr>
+          <a:xfrm>
+            <a:off x="0" y="5045700"/>
+            <a:ext cx="9144000" cy="97800"/>
+          </a:xfrm>
+          <a:prstGeom prst="rect">
+            <a:avLst/>
+          </a:prstGeom>
+          <a:solidFill>
+            <a:schemeClr val="lt2"/>
+          </a:solidFill>
+          <a:ln>
+            <a:noFill/>
+          </a:ln>
+        </p:spPr>
+        <p:txBody>
+          <a:bodyPr anchorCtr="0" anchor="ctr" bIns="91425" lIns="91425" spcFirstLastPara="1" rIns="91425" wrap="square" tIns="91425">
+            <a:noAutofit/>
+          </a:bodyPr>
+          <a:lstStyle/>
+          <a:p>
+            <a:pPr indent="0" lvl="0" marL="0" rtl="0" algn="l">
+              <a:spcBef>
+                <a:spcPts val="0"/>
+              </a:spcBef>
+              <a:spcAft>
+                <a:spcPts val="0"/>
+              </a:spcAft>
+              <a:buNone/>
+            </a:pPr>
+            <a:r>
+              <a:t/>
+            </a:r>
+            <a:endParaRPr/>
+          </a:p>
+        </p:txBody>
+      </p:sp>
+      <p:sp>
+        <p:nvSpPr>
+          <p:cNvPr id="39" name="Google Shape;39;p8"/>
           <p:cNvSpPr txBox="1"/>
           <p:nvPr>
             <p:ph type="title"/>
@@ -3666,7 +4082,7 @@
         <p:spPr>
           <a:xfrm>
             <a:off x="490250" y="450150"/>
-            <a:ext cx="6367800" cy="4090800"/>
+            <a:ext cx="5878800" cy="4090800"/>
           </a:xfrm>
           <a:prstGeom prst="rect">
             <a:avLst/>
@@ -3780,7 +4196,7 @@
       </p:sp>
       <p:sp>
         <p:nvSpPr>
-          <p:cNvPr id="34" name="Google Shape;34;p8"/>
+          <p:cNvPr id="40" name="Google Shape;40;p8"/>
           <p:cNvSpPr txBox="1"/>
           <p:nvPr>
             <p:ph idx="12" type="sldNum"/>
@@ -3868,7 +4284,7 @@
   <p:cSld name="SECTION_TITLE_AND_DESCRIPTION">
     <p:spTree>
       <p:nvGrpSpPr>
-        <p:cNvPr id="35" name="Shape 35"/>
+        <p:cNvPr id="41" name="Shape 41"/>
         <p:cNvGrpSpPr/>
         <p:nvPr/>
       </p:nvGrpSpPr>
@@ -3882,13 +4298,13 @@
       </p:grpSpPr>
       <p:sp>
         <p:nvSpPr>
-          <p:cNvPr id="36" name="Google Shape;36;p9"/>
+          <p:cNvPr id="42" name="Google Shape;42;p9"/>
           <p:cNvSpPr/>
           <p:nvPr/>
         </p:nvSpPr>
         <p:spPr>
           <a:xfrm>
-            <a:off x="4572000" y="-125"/>
+            <a:off x="4572000" y="-25"/>
             <a:ext cx="4572000" cy="5143500"/>
           </a:xfrm>
           <a:prstGeom prst="rect">
@@ -3923,9 +4339,35 @@
           </a:p>
         </p:txBody>
       </p:sp>
+      <p:cxnSp>
+        <p:nvCxnSpPr>
+          <p:cNvPr id="43" name="Google Shape;43;p9"/>
+          <p:cNvCxnSpPr/>
+          <p:nvPr/>
+        </p:nvCxnSpPr>
+        <p:spPr>
+          <a:xfrm>
+            <a:off x="5029675" y="4495500"/>
+            <a:ext cx="468300" cy="0"/>
+          </a:xfrm>
+          <a:prstGeom prst="straightConnector1">
+            <a:avLst/>
+          </a:prstGeom>
+          <a:noFill/>
+          <a:ln cap="flat" cmpd="sng" w="19050">
+            <a:solidFill>
+              <a:schemeClr val="lt1"/>
+            </a:solidFill>
+            <a:prstDash val="solid"/>
+            <a:round/>
+            <a:headEnd len="sm" w="sm" type="none"/>
+            <a:tailEnd len="sm" w="sm" type="none"/>
+          </a:ln>
+        </p:spPr>
+      </p:cxnSp>
       <p:sp>
         <p:nvSpPr>
-          <p:cNvPr id="37" name="Google Shape;37;p9"/>
+          <p:cNvPr id="44" name="Google Shape;44;p9"/>
           <p:cNvSpPr txBox="1"/>
           <p:nvPr>
             <p:ph type="title"/>
@@ -3933,8 +4375,8 @@
         </p:nvSpPr>
         <p:spPr>
           <a:xfrm>
-            <a:off x="265500" y="1233175"/>
-            <a:ext cx="4045200" cy="1482300"/>
+            <a:off x="265500" y="929275"/>
+            <a:ext cx="4045200" cy="1786200"/>
           </a:xfrm>
           <a:prstGeom prst="rect">
             <a:avLst/>
@@ -3950,9 +4392,16 @@
               <a:spcAft>
                 <a:spcPts val="0"/>
               </a:spcAft>
+              <a:buClr>
+                <a:schemeClr val="lt2"/>
+              </a:buClr>
               <a:buSzPts val="4200"/>
               <a:buNone/>
-              <a:defRPr sz="4200"/>
+              <a:defRPr>
+                <a:solidFill>
+                  <a:schemeClr val="lt2"/>
+                </a:solidFill>
+              </a:defRPr>
             </a:lvl1pPr>
             <a:lvl2pPr lvl="1" algn="ctr">
               <a:spcBef>
@@ -3961,9 +4410,16 @@
               <a:spcAft>
                 <a:spcPts val="0"/>
               </a:spcAft>
+              <a:buClr>
+                <a:schemeClr val="lt2"/>
+              </a:buClr>
               <a:buSzPts val="4200"/>
               <a:buNone/>
-              <a:defRPr sz="4200"/>
+              <a:defRPr>
+                <a:solidFill>
+                  <a:schemeClr val="lt2"/>
+                </a:solidFill>
+              </a:defRPr>
             </a:lvl2pPr>
             <a:lvl3pPr lvl="2" algn="ctr">
               <a:spcBef>
@@ -3972,9 +4428,16 @@
               <a:spcAft>
                 <a:spcPts val="0"/>
               </a:spcAft>
+              <a:buClr>
+                <a:schemeClr val="lt2"/>
+              </a:buClr>
               <a:buSzPts val="4200"/>
               <a:buNone/>
-              <a:defRPr sz="4200"/>
+              <a:defRPr>
+                <a:solidFill>
+                  <a:schemeClr val="lt2"/>
+                </a:solidFill>
+              </a:defRPr>
             </a:lvl3pPr>
             <a:lvl4pPr lvl="3" algn="ctr">
               <a:spcBef>
@@ -3983,9 +4446,16 @@
               <a:spcAft>
                 <a:spcPts val="0"/>
               </a:spcAft>
+              <a:buClr>
+                <a:schemeClr val="lt2"/>
+              </a:buClr>
               <a:buSzPts val="4200"/>
               <a:buNone/>
-              <a:defRPr sz="4200"/>
+              <a:defRPr>
+                <a:solidFill>
+                  <a:schemeClr val="lt2"/>
+                </a:solidFill>
+              </a:defRPr>
             </a:lvl4pPr>
             <a:lvl5pPr lvl="4" algn="ctr">
               <a:spcBef>
@@ -3994,9 +4464,16 @@
               <a:spcAft>
                 <a:spcPts val="0"/>
               </a:spcAft>
+              <a:buClr>
+                <a:schemeClr val="lt2"/>
+              </a:buClr>
               <a:buSzPts val="4200"/>
               <a:buNone/>
-              <a:defRPr sz="4200"/>
+              <a:defRPr>
+                <a:solidFill>
+                  <a:schemeClr val="lt2"/>
+                </a:solidFill>
+              </a:defRPr>
             </a:lvl5pPr>
             <a:lvl6pPr lvl="5" algn="ctr">
               <a:spcBef>
@@ -4005,9 +4482,16 @@
               <a:spcAft>
                 <a:spcPts val="0"/>
               </a:spcAft>
+              <a:buClr>
+                <a:schemeClr val="lt2"/>
+              </a:buClr>
               <a:buSzPts val="4200"/>
               <a:buNone/>
-              <a:defRPr sz="4200"/>
+              <a:defRPr>
+                <a:solidFill>
+                  <a:schemeClr val="lt2"/>
+                </a:solidFill>
+              </a:defRPr>
             </a:lvl6pPr>
             <a:lvl7pPr lvl="6" algn="ctr">
               <a:spcBef>
@@ -4016,9 +4500,16 @@
               <a:spcAft>
                 <a:spcPts val="0"/>
               </a:spcAft>
+              <a:buClr>
+                <a:schemeClr val="lt2"/>
+              </a:buClr>
               <a:buSzPts val="4200"/>
               <a:buNone/>
-              <a:defRPr sz="4200"/>
+              <a:defRPr>
+                <a:solidFill>
+                  <a:schemeClr val="lt2"/>
+                </a:solidFill>
+              </a:defRPr>
             </a:lvl7pPr>
             <a:lvl8pPr lvl="7" algn="ctr">
               <a:spcBef>
@@ -4027,9 +4518,16 @@
               <a:spcAft>
                 <a:spcPts val="0"/>
               </a:spcAft>
+              <a:buClr>
+                <a:schemeClr val="lt2"/>
+              </a:buClr>
               <a:buSzPts val="4200"/>
               <a:buNone/>
-              <a:defRPr sz="4200"/>
+              <a:defRPr>
+                <a:solidFill>
+                  <a:schemeClr val="lt2"/>
+                </a:solidFill>
+              </a:defRPr>
             </a:lvl8pPr>
             <a:lvl9pPr lvl="8" algn="ctr">
               <a:spcBef>
@@ -4038,9 +4536,16 @@
               <a:spcAft>
                 <a:spcPts val="0"/>
               </a:spcAft>
+              <a:buClr>
+                <a:schemeClr val="lt2"/>
+              </a:buClr>
               <a:buSzPts val="4200"/>
               <a:buNone/>
-              <a:defRPr sz="4200"/>
+              <a:defRPr>
+                <a:solidFill>
+                  <a:schemeClr val="lt2"/>
+                </a:solidFill>
+              </a:defRPr>
             </a:lvl9pPr>
           </a:lstStyle>
           <a:p/>
@@ -4048,7 +4553,7 @@
       </p:sp>
       <p:sp>
         <p:nvSpPr>
-          <p:cNvPr id="38" name="Google Shape;38;p9"/>
+          <p:cNvPr id="45" name="Google Shape;45;p9"/>
           <p:cNvSpPr txBox="1"/>
           <p:nvPr>
             <p:ph idx="1" type="subTitle"/>
@@ -4056,8 +4561,8 @@
         </p:nvSpPr>
         <p:spPr>
           <a:xfrm>
-            <a:off x="265500" y="2803075"/>
-            <a:ext cx="4045200" cy="1235100"/>
+            <a:off x="265500" y="2769001"/>
+            <a:ext cx="4045200" cy="1574100"/>
           </a:xfrm>
           <a:prstGeom prst="rect">
             <a:avLst/>
@@ -4076,9 +4581,15 @@
               <a:spcAft>
                 <a:spcPts val="0"/>
               </a:spcAft>
-              <a:buSzPts val="2100"/>
-              <a:buNone/>
-              <a:defRPr sz="2100"/>
+              <a:buSzPts val="2400"/>
+              <a:buFont typeface="Economica"/>
+              <a:buNone/>
+              <a:defRPr sz="2400">
+                <a:latin typeface="Economica"/>
+                <a:ea typeface="Economica"/>
+                <a:cs typeface="Economica"/>
+                <a:sym typeface="Economica"/>
+              </a:defRPr>
             </a:lvl1pPr>
             <a:lvl2pPr lvl="1" algn="ctr">
               <a:lnSpc>
@@ -4090,9 +4601,15 @@
               <a:spcAft>
                 <a:spcPts val="0"/>
               </a:spcAft>
-              <a:buSzPts val="2100"/>
-              <a:buNone/>
-              <a:defRPr sz="2100"/>
+              <a:buSzPts val="2400"/>
+              <a:buFont typeface="Economica"/>
+              <a:buNone/>
+              <a:defRPr sz="2400">
+                <a:latin typeface="Economica"/>
+                <a:ea typeface="Economica"/>
+                <a:cs typeface="Economica"/>
+                <a:sym typeface="Economica"/>
+              </a:defRPr>
             </a:lvl2pPr>
             <a:lvl3pPr lvl="2" algn="ctr">
               <a:lnSpc>
@@ -4104,9 +4621,15 @@
               <a:spcAft>
                 <a:spcPts val="0"/>
               </a:spcAft>
-              <a:buSzPts val="2100"/>
-              <a:buNone/>
-              <a:defRPr sz="2100"/>
+              <a:buSzPts val="2400"/>
+              <a:buFont typeface="Economica"/>
+              <a:buNone/>
+              <a:defRPr sz="2400">
+                <a:latin typeface="Economica"/>
+                <a:ea typeface="Economica"/>
+                <a:cs typeface="Economica"/>
+                <a:sym typeface="Economica"/>
+              </a:defRPr>
             </a:lvl3pPr>
             <a:lvl4pPr lvl="3" algn="ctr">
               <a:lnSpc>
@@ -4118,9 +4641,15 @@
               <a:spcAft>
                 <a:spcPts val="0"/>
               </a:spcAft>
-              <a:buSzPts val="2100"/>
-              <a:buNone/>
-              <a:defRPr sz="2100"/>
+              <a:buSzPts val="2400"/>
+              <a:buFont typeface="Economica"/>
+              <a:buNone/>
+              <a:defRPr sz="2400">
+                <a:latin typeface="Economica"/>
+                <a:ea typeface="Economica"/>
+                <a:cs typeface="Economica"/>
+                <a:sym typeface="Economica"/>
+              </a:defRPr>
             </a:lvl4pPr>
             <a:lvl5pPr lvl="4" algn="ctr">
               <a:lnSpc>
@@ -4132,9 +4661,15 @@
               <a:spcAft>
                 <a:spcPts val="0"/>
               </a:spcAft>
-              <a:buSzPts val="2100"/>
-              <a:buNone/>
-              <a:defRPr sz="2100"/>
+              <a:buSzPts val="2400"/>
+              <a:buFont typeface="Economica"/>
+              <a:buNone/>
+              <a:defRPr sz="2400">
+                <a:latin typeface="Economica"/>
+                <a:ea typeface="Economica"/>
+                <a:cs typeface="Economica"/>
+                <a:sym typeface="Economica"/>
+              </a:defRPr>
             </a:lvl5pPr>
             <a:lvl6pPr lvl="5" algn="ctr">
               <a:lnSpc>
@@ -4146,9 +4681,15 @@
               <a:spcAft>
                 <a:spcPts val="0"/>
               </a:spcAft>
-              <a:buSzPts val="2100"/>
-              <a:buNone/>
-              <a:defRPr sz="2100"/>
+              <a:buSzPts val="2400"/>
+              <a:buFont typeface="Economica"/>
+              <a:buNone/>
+              <a:defRPr sz="2400">
+                <a:latin typeface="Economica"/>
+                <a:ea typeface="Economica"/>
+                <a:cs typeface="Economica"/>
+                <a:sym typeface="Economica"/>
+              </a:defRPr>
             </a:lvl6pPr>
             <a:lvl7pPr lvl="6" algn="ctr">
               <a:lnSpc>
@@ -4160,9 +4701,15 @@
               <a:spcAft>
                 <a:spcPts val="0"/>
               </a:spcAft>
-              <a:buSzPts val="2100"/>
-              <a:buNone/>
-              <a:defRPr sz="2100"/>
+              <a:buSzPts val="2400"/>
+              <a:buFont typeface="Economica"/>
+              <a:buNone/>
+              <a:defRPr sz="2400">
+                <a:latin typeface="Economica"/>
+                <a:ea typeface="Economica"/>
+                <a:cs typeface="Economica"/>
+                <a:sym typeface="Economica"/>
+              </a:defRPr>
             </a:lvl7pPr>
             <a:lvl8pPr lvl="7" algn="ctr">
               <a:lnSpc>
@@ -4174,9 +4721,15 @@
               <a:spcAft>
                 <a:spcPts val="0"/>
               </a:spcAft>
-              <a:buSzPts val="2100"/>
-              <a:buNone/>
-              <a:defRPr sz="2100"/>
+              <a:buSzPts val="2400"/>
+              <a:buFont typeface="Economica"/>
+              <a:buNone/>
+              <a:defRPr sz="2400">
+                <a:latin typeface="Economica"/>
+                <a:ea typeface="Economica"/>
+                <a:cs typeface="Economica"/>
+                <a:sym typeface="Economica"/>
+              </a:defRPr>
             </a:lvl8pPr>
             <a:lvl9pPr lvl="8" algn="ctr">
               <a:lnSpc>
@@ -4188,9 +4741,15 @@
               <a:spcAft>
                 <a:spcPts val="0"/>
               </a:spcAft>
-              <a:buSzPts val="2100"/>
-              <a:buNone/>
-              <a:defRPr sz="2100"/>
+              <a:buSzPts val="2400"/>
+              <a:buFont typeface="Economica"/>
+              <a:buNone/>
+              <a:defRPr sz="2400">
+                <a:latin typeface="Economica"/>
+                <a:ea typeface="Economica"/>
+                <a:cs typeface="Economica"/>
+                <a:sym typeface="Economica"/>
+              </a:defRPr>
             </a:lvl9pPr>
           </a:lstStyle>
           <a:p/>
@@ -4198,7 +4757,7 @@
       </p:sp>
       <p:sp>
         <p:nvSpPr>
-          <p:cNvPr id="39" name="Google Shape;39;p9"/>
+          <p:cNvPr id="46" name="Google Shape;46;p9"/>
           <p:cNvSpPr txBox="1"/>
           <p:nvPr>
             <p:ph idx="2" type="body"/>
@@ -4206,7 +4765,7 @@
         </p:nvSpPr>
         <p:spPr>
           <a:xfrm>
-            <a:off x="4939500" y="724075"/>
+            <a:off x="4939500" y="724200"/>
             <a:ext cx="3837000" cy="3695100"/>
           </a:xfrm>
           <a:prstGeom prst="rect">
@@ -4223,9 +4782,16 @@
               <a:spcAft>
                 <a:spcPts val="0"/>
               </a:spcAft>
+              <a:buClr>
+                <a:schemeClr val="lt1"/>
+              </a:buClr>
               <a:buSzPts val="1800"/>
               <a:buChar char="●"/>
-              <a:defRPr/>
+              <a:defRPr>
+                <a:solidFill>
+                  <a:schemeClr val="lt1"/>
+                </a:solidFill>
+              </a:defRPr>
             </a:lvl1pPr>
             <a:lvl2pPr indent="-317500" lvl="1" marL="914400">
               <a:spcBef>
@@ -4234,9 +4800,16 @@
               <a:spcAft>
                 <a:spcPts val="0"/>
               </a:spcAft>
+              <a:buClr>
+                <a:schemeClr val="lt1"/>
+              </a:buClr>
               <a:buSzPts val="1400"/>
               <a:buChar char="○"/>
-              <a:defRPr/>
+              <a:defRPr>
+                <a:solidFill>
+                  <a:schemeClr val="lt1"/>
+                </a:solidFill>
+              </a:defRPr>
             </a:lvl2pPr>
             <a:lvl3pPr indent="-317500" lvl="2" marL="1371600">
               <a:spcBef>
@@ -4245,9 +4818,16 @@
               <a:spcAft>
                 <a:spcPts val="0"/>
               </a:spcAft>
+              <a:buClr>
+                <a:schemeClr val="lt1"/>
+              </a:buClr>
               <a:buSzPts val="1400"/>
               <a:buChar char="■"/>
-              <a:defRPr/>
+              <a:defRPr>
+                <a:solidFill>
+                  <a:schemeClr val="lt1"/>
+                </a:solidFill>
+              </a:defRPr>
             </a:lvl3pPr>
             <a:lvl4pPr indent="-317500" lvl="3" marL="1828800">
               <a:spcBef>
@@ -4256,9 +4836,16 @@
               <a:spcAft>
                 <a:spcPts val="0"/>
               </a:spcAft>
+              <a:buClr>
+                <a:schemeClr val="lt1"/>
+              </a:buClr>
               <a:buSzPts val="1400"/>
               <a:buChar char="●"/>
-              <a:defRPr/>
+              <a:defRPr>
+                <a:solidFill>
+                  <a:schemeClr val="lt1"/>
+                </a:solidFill>
+              </a:defRPr>
             </a:lvl4pPr>
             <a:lvl5pPr indent="-317500" lvl="4" marL="2286000">
               <a:spcBef>
@@ -4267,9 +4854,16 @@
               <a:spcAft>
                 <a:spcPts val="0"/>
               </a:spcAft>
+              <a:buClr>
+                <a:schemeClr val="lt1"/>
+              </a:buClr>
               <a:buSzPts val="1400"/>
               <a:buChar char="○"/>
-              <a:defRPr/>
+              <a:defRPr>
+                <a:solidFill>
+                  <a:schemeClr val="lt1"/>
+                </a:solidFill>
+              </a:defRPr>
             </a:lvl5pPr>
             <a:lvl6pPr indent="-317500" lvl="5" marL="2743200">
               <a:spcBef>
@@ -4278,9 +4872,16 @@
               <a:spcAft>
                 <a:spcPts val="0"/>
               </a:spcAft>
+              <a:buClr>
+                <a:schemeClr val="lt1"/>
+              </a:buClr>
               <a:buSzPts val="1400"/>
               <a:buChar char="■"/>
-              <a:defRPr/>
+              <a:defRPr>
+                <a:solidFill>
+                  <a:schemeClr val="lt1"/>
+                </a:solidFill>
+              </a:defRPr>
             </a:lvl6pPr>
             <a:lvl7pPr indent="-317500" lvl="6" marL="3200400">
               <a:spcBef>
@@ -4289,9 +4890,16 @@
               <a:spcAft>
                 <a:spcPts val="0"/>
               </a:spcAft>
+              <a:buClr>
+                <a:schemeClr val="lt1"/>
+              </a:buClr>
               <a:buSzPts val="1400"/>
               <a:buChar char="●"/>
-              <a:defRPr/>
+              <a:defRPr>
+                <a:solidFill>
+                  <a:schemeClr val="lt1"/>
+                </a:solidFill>
+              </a:defRPr>
             </a:lvl7pPr>
             <a:lvl8pPr indent="-317500" lvl="7" marL="3657600">
               <a:spcBef>
@@ -4300,9 +4908,16 @@
               <a:spcAft>
                 <a:spcPts val="0"/>
               </a:spcAft>
+              <a:buClr>
+                <a:schemeClr val="lt1"/>
+              </a:buClr>
               <a:buSzPts val="1400"/>
               <a:buChar char="○"/>
-              <a:defRPr/>
+              <a:defRPr>
+                <a:solidFill>
+                  <a:schemeClr val="lt1"/>
+                </a:solidFill>
+              </a:defRPr>
             </a:lvl8pPr>
             <a:lvl9pPr indent="-317500" lvl="8" marL="4114800">
               <a:spcBef>
@@ -4311,9 +4926,16 @@
               <a:spcAft>
                 <a:spcPts val="1600"/>
               </a:spcAft>
+              <a:buClr>
+                <a:schemeClr val="lt1"/>
+              </a:buClr>
               <a:buSzPts val="1400"/>
               <a:buChar char="■"/>
-              <a:defRPr/>
+              <a:defRPr>
+                <a:solidFill>
+                  <a:schemeClr val="lt1"/>
+                </a:solidFill>
+              </a:defRPr>
             </a:lvl9pPr>
           </a:lstStyle>
           <a:p/>
@@ -4321,7 +4943,7 @@
       </p:sp>
       <p:sp>
         <p:nvSpPr>
-          <p:cNvPr id="40" name="Google Shape;40;p9"/>
+          <p:cNvPr id="47" name="Google Shape;47;p9"/>
           <p:cNvSpPr txBox="1"/>
           <p:nvPr>
             <p:ph idx="12" type="sldNum"/>
@@ -4343,39 +4965,75 @@
           <a:lstStyle>
             <a:lvl1pPr lvl="0">
               <a:buNone/>
-              <a:defRPr/>
+              <a:defRPr>
+                <a:solidFill>
+                  <a:schemeClr val="lt1"/>
+                </a:solidFill>
+              </a:defRPr>
             </a:lvl1pPr>
             <a:lvl2pPr lvl="1">
               <a:buNone/>
-              <a:defRPr/>
+              <a:defRPr>
+                <a:solidFill>
+                  <a:schemeClr val="lt1"/>
+                </a:solidFill>
+              </a:defRPr>
             </a:lvl2pPr>
             <a:lvl3pPr lvl="2">
               <a:buNone/>
-              <a:defRPr/>
+              <a:defRPr>
+                <a:solidFill>
+                  <a:schemeClr val="lt1"/>
+                </a:solidFill>
+              </a:defRPr>
             </a:lvl3pPr>
             <a:lvl4pPr lvl="3">
               <a:buNone/>
-              <a:defRPr/>
+              <a:defRPr>
+                <a:solidFill>
+                  <a:schemeClr val="lt1"/>
+                </a:solidFill>
+              </a:defRPr>
             </a:lvl4pPr>
             <a:lvl5pPr lvl="4">
               <a:buNone/>
-              <a:defRPr/>
+              <a:defRPr>
+                <a:solidFill>
+                  <a:schemeClr val="lt1"/>
+                </a:solidFill>
+              </a:defRPr>
             </a:lvl5pPr>
             <a:lvl6pPr lvl="5">
               <a:buNone/>
-              <a:defRPr/>
+              <a:defRPr>
+                <a:solidFill>
+                  <a:schemeClr val="lt1"/>
+                </a:solidFill>
+              </a:defRPr>
             </a:lvl6pPr>
             <a:lvl7pPr lvl="6">
               <a:buNone/>
-              <a:defRPr/>
+              <a:defRPr>
+                <a:solidFill>
+                  <a:schemeClr val="lt1"/>
+                </a:solidFill>
+              </a:defRPr>
             </a:lvl7pPr>
             <a:lvl8pPr lvl="7">
               <a:buNone/>
-              <a:defRPr/>
+              <a:defRPr>
+                <a:solidFill>
+                  <a:schemeClr val="lt1"/>
+                </a:solidFill>
+              </a:defRPr>
             </a:lvl8pPr>
             <a:lvl9pPr lvl="8">
               <a:buNone/>
-              <a:defRPr/>
+              <a:defRPr>
+                <a:solidFill>
+                  <a:schemeClr val="lt1"/>
+                </a:solidFill>
+              </a:defRPr>
             </a:lvl9pPr>
           </a:lstStyle>
           <a:p>
@@ -4409,7 +5067,7 @@
   <p:cSld name="CAPTION_ONLY">
     <p:spTree>
       <p:nvGrpSpPr>
-        <p:cNvPr id="41" name="Shape 41"/>
+        <p:cNvPr id="48" name="Shape 48"/>
         <p:cNvGrpSpPr/>
         <p:nvPr/>
       </p:nvGrpSpPr>
@@ -4423,7 +5081,7 @@
       </p:grpSpPr>
       <p:sp>
         <p:nvSpPr>
-          <p:cNvPr id="42" name="Google Shape;42;p10"/>
+          <p:cNvPr id="49" name="Google Shape;49;p10"/>
           <p:cNvSpPr txBox="1"/>
           <p:nvPr>
             <p:ph idx="1" type="body"/>
@@ -4431,8 +5089,8 @@
         </p:nvSpPr>
         <p:spPr>
           <a:xfrm>
-            <a:off x="311700" y="4230575"/>
-            <a:ext cx="5998800" cy="605100"/>
+            <a:off x="319500" y="4218925"/>
+            <a:ext cx="5998800" cy="598800"/>
           </a:xfrm>
           <a:prstGeom prst="rect">
             <a:avLst/>
@@ -4451,9 +5109,15 @@
               <a:spcAft>
                 <a:spcPts val="0"/>
               </a:spcAft>
-              <a:buSzPts val="1800"/>
-              <a:buNone/>
-              <a:defRPr/>
+              <a:buSzPts val="2400"/>
+              <a:buFont typeface="Economica"/>
+              <a:buNone/>
+              <a:defRPr sz="2400">
+                <a:latin typeface="Economica"/>
+                <a:ea typeface="Economica"/>
+                <a:cs typeface="Economica"/>
+                <a:sym typeface="Economica"/>
+              </a:defRPr>
             </a:lvl1pPr>
           </a:lstStyle>
           <a:p/>
@@ -4461,7 +5125,7 @@
       </p:sp>
       <p:sp>
         <p:nvSpPr>
-          <p:cNvPr id="43" name="Google Shape;43;p10"/>
+          <p:cNvPr id="50" name="Google Shape;50;p10"/>
           <p:cNvSpPr txBox="1"/>
           <p:nvPr>
             <p:ph idx="12" type="sldNum"/>
@@ -4546,7 +5210,7 @@
 
 <file path=ppt/slideMasters/slideMaster1.xml><?xml version="1.0" encoding="utf-8"?>
 <p:sldMaster xmlns:a="http://schemas.openxmlformats.org/drawingml/2006/main" xmlns:r="http://schemas.openxmlformats.org/officeDocument/2006/relationships" xmlns:mc="http://schemas.openxmlformats.org/markup-compatibility/2006" xmlns:mv="urn:schemas-microsoft-com:mac:vml" xmlns:p="http://schemas.openxmlformats.org/presentationml/2006/main" xmlns:c="http://schemas.openxmlformats.org/drawingml/2006/chart" xmlns:dgm="http://schemas.openxmlformats.org/drawingml/2006/diagram" xmlns:o="urn:schemas-microsoft-com:office:office" xmlns:v="urn:schemas-microsoft-com:vml" xmlns:pvml="urn:schemas-microsoft-com:office:powerpoint" xmlns:com="http://schemas.openxmlformats.org/drawingml/2006/compatibility" xmlns:p14="http://schemas.microsoft.com/office/powerpoint/2010/main" xmlns:p15="http://schemas.microsoft.com/office/powerpoint/2012/main">
-  <p:cSld name="simple-light-2">
+  <p:cSld name="luxe">
     <p:bg>
       <p:bgPr>
         <a:solidFill>
@@ -4578,8 +5242,8 @@
         </p:nvSpPr>
         <p:spPr>
           <a:xfrm>
-            <a:off x="311700" y="445025"/>
-            <a:ext cx="8520600" cy="572700"/>
+            <a:off x="311700" y="315925"/>
+            <a:ext cx="8520600" cy="831300"/>
           </a:xfrm>
           <a:prstGeom prst="rect">
             <a:avLst/>
@@ -4590,7 +5254,7 @@
           </a:ln>
         </p:spPr>
         <p:txBody>
-          <a:bodyPr anchorCtr="0" anchor="t" bIns="91425" lIns="91425" spcFirstLastPara="1" rIns="91425" wrap="square" tIns="91425"/>
+          <a:bodyPr anchorCtr="0" anchor="b" bIns="91425" lIns="91425" spcFirstLastPara="1" rIns="91425" wrap="square" tIns="91425"/>
           <a:lstStyle>
             <a:lvl1pPr lvl="0">
               <a:spcBef>
@@ -4602,12 +5266,17 @@
               <a:buClr>
                 <a:schemeClr val="dk1"/>
               </a:buClr>
-              <a:buSzPts val="2800"/>
-              <a:buNone/>
-              <a:defRPr sz="2800">
+              <a:buSzPts val="4200"/>
+              <a:buFont typeface="Economica"/>
+              <a:buNone/>
+              <a:defRPr sz="4200">
                 <a:solidFill>
                   <a:schemeClr val="dk1"/>
                 </a:solidFill>
+                <a:latin typeface="Economica"/>
+                <a:ea typeface="Economica"/>
+                <a:cs typeface="Economica"/>
+                <a:sym typeface="Economica"/>
               </a:defRPr>
             </a:lvl1pPr>
             <a:lvl2pPr lvl="1">
@@ -4620,12 +5289,17 @@
               <a:buClr>
                 <a:schemeClr val="dk1"/>
               </a:buClr>
-              <a:buSzPts val="2800"/>
-              <a:buNone/>
-              <a:defRPr sz="2800">
+              <a:buSzPts val="4200"/>
+              <a:buFont typeface="Economica"/>
+              <a:buNone/>
+              <a:defRPr sz="4200">
                 <a:solidFill>
                   <a:schemeClr val="dk1"/>
                 </a:solidFill>
+                <a:latin typeface="Economica"/>
+                <a:ea typeface="Economica"/>
+                <a:cs typeface="Economica"/>
+                <a:sym typeface="Economica"/>
               </a:defRPr>
             </a:lvl2pPr>
             <a:lvl3pPr lvl="2">
@@ -4638,12 +5312,17 @@
               <a:buClr>
                 <a:schemeClr val="dk1"/>
               </a:buClr>
-              <a:buSzPts val="2800"/>
-              <a:buNone/>
-              <a:defRPr sz="2800">
+              <a:buSzPts val="4200"/>
+              <a:buFont typeface="Economica"/>
+              <a:buNone/>
+              <a:defRPr sz="4200">
                 <a:solidFill>
                   <a:schemeClr val="dk1"/>
                 </a:solidFill>
+                <a:latin typeface="Economica"/>
+                <a:ea typeface="Economica"/>
+                <a:cs typeface="Economica"/>
+                <a:sym typeface="Economica"/>
               </a:defRPr>
             </a:lvl3pPr>
             <a:lvl4pPr lvl="3">
@@ -4656,12 +5335,17 @@
               <a:buClr>
                 <a:schemeClr val="dk1"/>
               </a:buClr>
-              <a:buSzPts val="2800"/>
-              <a:buNone/>
-              <a:defRPr sz="2800">
+              <a:buSzPts val="4200"/>
+              <a:buFont typeface="Economica"/>
+              <a:buNone/>
+              <a:defRPr sz="4200">
                 <a:solidFill>
                   <a:schemeClr val="dk1"/>
                 </a:solidFill>
+                <a:latin typeface="Economica"/>
+                <a:ea typeface="Economica"/>
+                <a:cs typeface="Economica"/>
+                <a:sym typeface="Economica"/>
               </a:defRPr>
             </a:lvl4pPr>
             <a:lvl5pPr lvl="4">
@@ -4674,12 +5358,17 @@
               <a:buClr>
                 <a:schemeClr val="dk1"/>
               </a:buClr>
-              <a:buSzPts val="2800"/>
-              <a:buNone/>
-              <a:defRPr sz="2800">
+              <a:buSzPts val="4200"/>
+              <a:buFont typeface="Economica"/>
+              <a:buNone/>
+              <a:defRPr sz="4200">
                 <a:solidFill>
                   <a:schemeClr val="dk1"/>
                 </a:solidFill>
+                <a:latin typeface="Economica"/>
+                <a:ea typeface="Economica"/>
+                <a:cs typeface="Economica"/>
+                <a:sym typeface="Economica"/>
               </a:defRPr>
             </a:lvl5pPr>
             <a:lvl6pPr lvl="5">
@@ -4692,12 +5381,17 @@
               <a:buClr>
                 <a:schemeClr val="dk1"/>
               </a:buClr>
-              <a:buSzPts val="2800"/>
-              <a:buNone/>
-              <a:defRPr sz="2800">
+              <a:buSzPts val="4200"/>
+              <a:buFont typeface="Economica"/>
+              <a:buNone/>
+              <a:defRPr sz="4200">
                 <a:solidFill>
                   <a:schemeClr val="dk1"/>
                 </a:solidFill>
+                <a:latin typeface="Economica"/>
+                <a:ea typeface="Economica"/>
+                <a:cs typeface="Economica"/>
+                <a:sym typeface="Economica"/>
               </a:defRPr>
             </a:lvl6pPr>
             <a:lvl7pPr lvl="6">
@@ -4710,12 +5404,17 @@
               <a:buClr>
                 <a:schemeClr val="dk1"/>
               </a:buClr>
-              <a:buSzPts val="2800"/>
-              <a:buNone/>
-              <a:defRPr sz="2800">
+              <a:buSzPts val="4200"/>
+              <a:buFont typeface="Economica"/>
+              <a:buNone/>
+              <a:defRPr sz="4200">
                 <a:solidFill>
                   <a:schemeClr val="dk1"/>
                 </a:solidFill>
+                <a:latin typeface="Economica"/>
+                <a:ea typeface="Economica"/>
+                <a:cs typeface="Economica"/>
+                <a:sym typeface="Economica"/>
               </a:defRPr>
             </a:lvl7pPr>
             <a:lvl8pPr lvl="7">
@@ -4728,12 +5427,17 @@
               <a:buClr>
                 <a:schemeClr val="dk1"/>
               </a:buClr>
-              <a:buSzPts val="2800"/>
-              <a:buNone/>
-              <a:defRPr sz="2800">
+              <a:buSzPts val="4200"/>
+              <a:buFont typeface="Economica"/>
+              <a:buNone/>
+              <a:defRPr sz="4200">
                 <a:solidFill>
                   <a:schemeClr val="dk1"/>
                 </a:solidFill>
+                <a:latin typeface="Economica"/>
+                <a:ea typeface="Economica"/>
+                <a:cs typeface="Economica"/>
+                <a:sym typeface="Economica"/>
               </a:defRPr>
             </a:lvl8pPr>
             <a:lvl9pPr lvl="8">
@@ -4746,12 +5450,17 @@
               <a:buClr>
                 <a:schemeClr val="dk1"/>
               </a:buClr>
-              <a:buSzPts val="2800"/>
-              <a:buNone/>
-              <a:defRPr sz="2800">
+              <a:buSzPts val="4200"/>
+              <a:buFont typeface="Economica"/>
+              <a:buNone/>
+              <a:defRPr sz="4200">
                 <a:solidFill>
                   <a:schemeClr val="dk1"/>
                 </a:solidFill>
+                <a:latin typeface="Economica"/>
+                <a:ea typeface="Economica"/>
+                <a:cs typeface="Economica"/>
+                <a:sym typeface="Economica"/>
               </a:defRPr>
             </a:lvl9pPr>
           </a:lstStyle>
@@ -4768,8 +5477,8 @@
         </p:nvSpPr>
         <p:spPr>
           <a:xfrm>
-            <a:off x="311700" y="1152475"/>
-            <a:ext cx="8520600" cy="3416400"/>
+            <a:off x="311700" y="1225225"/>
+            <a:ext cx="8520600" cy="3354000"/>
           </a:xfrm>
           <a:prstGeom prst="rect">
             <a:avLst/>
@@ -4793,14 +5502,19 @@
                 <a:spcPts val="0"/>
               </a:spcAft>
               <a:buClr>
-                <a:schemeClr val="dk2"/>
+                <a:schemeClr val="dk1"/>
               </a:buClr>
               <a:buSzPts val="1800"/>
+              <a:buFont typeface="Open Sans"/>
               <a:buChar char="●"/>
               <a:defRPr sz="1800">
                 <a:solidFill>
-                  <a:schemeClr val="dk2"/>
-                </a:solidFill>
+                  <a:schemeClr val="dk1"/>
+                </a:solidFill>
+                <a:latin typeface="Open Sans"/>
+                <a:ea typeface="Open Sans"/>
+                <a:cs typeface="Open Sans"/>
+                <a:sym typeface="Open Sans"/>
               </a:defRPr>
             </a:lvl1pPr>
             <a:lvl2pPr indent="-317500" lvl="1" marL="914400">
@@ -4814,14 +5528,19 @@
                 <a:spcPts val="0"/>
               </a:spcAft>
               <a:buClr>
-                <a:schemeClr val="dk2"/>
+                <a:schemeClr val="dk1"/>
               </a:buClr>
               <a:buSzPts val="1400"/>
+              <a:buFont typeface="Open Sans"/>
               <a:buChar char="○"/>
               <a:defRPr>
                 <a:solidFill>
-                  <a:schemeClr val="dk2"/>
-                </a:solidFill>
+                  <a:schemeClr val="dk1"/>
+                </a:solidFill>
+                <a:latin typeface="Open Sans"/>
+                <a:ea typeface="Open Sans"/>
+                <a:cs typeface="Open Sans"/>
+                <a:sym typeface="Open Sans"/>
               </a:defRPr>
             </a:lvl2pPr>
             <a:lvl3pPr indent="-317500" lvl="2" marL="1371600">
@@ -4835,14 +5554,19 @@
                 <a:spcPts val="0"/>
               </a:spcAft>
               <a:buClr>
-                <a:schemeClr val="dk2"/>
+                <a:schemeClr val="dk1"/>
               </a:buClr>
               <a:buSzPts val="1400"/>
+              <a:buFont typeface="Open Sans"/>
               <a:buChar char="■"/>
               <a:defRPr>
                 <a:solidFill>
-                  <a:schemeClr val="dk2"/>
-                </a:solidFill>
+                  <a:schemeClr val="dk1"/>
+                </a:solidFill>
+                <a:latin typeface="Open Sans"/>
+                <a:ea typeface="Open Sans"/>
+                <a:cs typeface="Open Sans"/>
+                <a:sym typeface="Open Sans"/>
               </a:defRPr>
             </a:lvl3pPr>
             <a:lvl4pPr indent="-317500" lvl="3" marL="1828800">
@@ -4856,14 +5580,19 @@
                 <a:spcPts val="0"/>
               </a:spcAft>
               <a:buClr>
-                <a:schemeClr val="dk2"/>
+                <a:schemeClr val="dk1"/>
               </a:buClr>
               <a:buSzPts val="1400"/>
+              <a:buFont typeface="Open Sans"/>
               <a:buChar char="●"/>
               <a:defRPr>
                 <a:solidFill>
-                  <a:schemeClr val="dk2"/>
-                </a:solidFill>
+                  <a:schemeClr val="dk1"/>
+                </a:solidFill>
+                <a:latin typeface="Open Sans"/>
+                <a:ea typeface="Open Sans"/>
+                <a:cs typeface="Open Sans"/>
+                <a:sym typeface="Open Sans"/>
               </a:defRPr>
             </a:lvl4pPr>
             <a:lvl5pPr indent="-317500" lvl="4" marL="2286000">
@@ -4877,14 +5606,19 @@
                 <a:spcPts val="0"/>
               </a:spcAft>
               <a:buClr>
-                <a:schemeClr val="dk2"/>
+                <a:schemeClr val="dk1"/>
               </a:buClr>
               <a:buSzPts val="1400"/>
+              <a:buFont typeface="Open Sans"/>
               <a:buChar char="○"/>
               <a:defRPr>
                 <a:solidFill>
-                  <a:schemeClr val="dk2"/>
-                </a:solidFill>
+                  <a:schemeClr val="dk1"/>
+                </a:solidFill>
+                <a:latin typeface="Open Sans"/>
+                <a:ea typeface="Open Sans"/>
+                <a:cs typeface="Open Sans"/>
+                <a:sym typeface="Open Sans"/>
               </a:defRPr>
             </a:lvl5pPr>
             <a:lvl6pPr indent="-317500" lvl="5" marL="2743200">
@@ -4898,14 +5632,19 @@
                 <a:spcPts val="0"/>
               </a:spcAft>
               <a:buClr>
-                <a:schemeClr val="dk2"/>
+                <a:schemeClr val="dk1"/>
               </a:buClr>
               <a:buSzPts val="1400"/>
+              <a:buFont typeface="Open Sans"/>
               <a:buChar char="■"/>
               <a:defRPr>
                 <a:solidFill>
-                  <a:schemeClr val="dk2"/>
-                </a:solidFill>
+                  <a:schemeClr val="dk1"/>
+                </a:solidFill>
+                <a:latin typeface="Open Sans"/>
+                <a:ea typeface="Open Sans"/>
+                <a:cs typeface="Open Sans"/>
+                <a:sym typeface="Open Sans"/>
               </a:defRPr>
             </a:lvl6pPr>
             <a:lvl7pPr indent="-317500" lvl="6" marL="3200400">
@@ -4919,14 +5658,19 @@
                 <a:spcPts val="0"/>
               </a:spcAft>
               <a:buClr>
-                <a:schemeClr val="dk2"/>
+                <a:schemeClr val="dk1"/>
               </a:buClr>
               <a:buSzPts val="1400"/>
+              <a:buFont typeface="Open Sans"/>
               <a:buChar char="●"/>
               <a:defRPr>
                 <a:solidFill>
-                  <a:schemeClr val="dk2"/>
-                </a:solidFill>
+                  <a:schemeClr val="dk1"/>
+                </a:solidFill>
+                <a:latin typeface="Open Sans"/>
+                <a:ea typeface="Open Sans"/>
+                <a:cs typeface="Open Sans"/>
+                <a:sym typeface="Open Sans"/>
               </a:defRPr>
             </a:lvl7pPr>
             <a:lvl8pPr indent="-317500" lvl="7" marL="3657600">
@@ -4940,14 +5684,19 @@
                 <a:spcPts val="0"/>
               </a:spcAft>
               <a:buClr>
-                <a:schemeClr val="dk2"/>
+                <a:schemeClr val="dk1"/>
               </a:buClr>
               <a:buSzPts val="1400"/>
+              <a:buFont typeface="Open Sans"/>
               <a:buChar char="○"/>
               <a:defRPr>
                 <a:solidFill>
-                  <a:schemeClr val="dk2"/>
-                </a:solidFill>
+                  <a:schemeClr val="dk1"/>
+                </a:solidFill>
+                <a:latin typeface="Open Sans"/>
+                <a:ea typeface="Open Sans"/>
+                <a:cs typeface="Open Sans"/>
+                <a:sym typeface="Open Sans"/>
               </a:defRPr>
             </a:lvl8pPr>
             <a:lvl9pPr indent="-317500" lvl="8" marL="4114800">
@@ -4961,14 +5710,19 @@
                 <a:spcPts val="1600"/>
               </a:spcAft>
               <a:buClr>
-                <a:schemeClr val="dk2"/>
+                <a:schemeClr val="dk1"/>
               </a:buClr>
               <a:buSzPts val="1400"/>
+              <a:buFont typeface="Open Sans"/>
               <a:buChar char="■"/>
               <a:defRPr>
                 <a:solidFill>
-                  <a:schemeClr val="dk2"/>
-                </a:solidFill>
+                  <a:schemeClr val="dk1"/>
+                </a:solidFill>
+                <a:latin typeface="Open Sans"/>
+                <a:ea typeface="Open Sans"/>
+                <a:cs typeface="Open Sans"/>
+                <a:sym typeface="Open Sans"/>
               </a:defRPr>
             </a:lvl9pPr>
           </a:lstStyle>
@@ -5005,72 +5759,108 @@
               <a:buNone/>
               <a:defRPr sz="1000">
                 <a:solidFill>
-                  <a:schemeClr val="dk2"/>
-                </a:solidFill>
+                  <a:schemeClr val="dk1"/>
+                </a:solidFill>
+                <a:latin typeface="Economica"/>
+                <a:ea typeface="Economica"/>
+                <a:cs typeface="Economica"/>
+                <a:sym typeface="Economica"/>
               </a:defRPr>
             </a:lvl1pPr>
             <a:lvl2pPr lvl="1" algn="r">
               <a:buNone/>
               <a:defRPr sz="1000">
                 <a:solidFill>
-                  <a:schemeClr val="dk2"/>
-                </a:solidFill>
+                  <a:schemeClr val="dk1"/>
+                </a:solidFill>
+                <a:latin typeface="Economica"/>
+                <a:ea typeface="Economica"/>
+                <a:cs typeface="Economica"/>
+                <a:sym typeface="Economica"/>
               </a:defRPr>
             </a:lvl2pPr>
             <a:lvl3pPr lvl="2" algn="r">
               <a:buNone/>
               <a:defRPr sz="1000">
                 <a:solidFill>
-                  <a:schemeClr val="dk2"/>
-                </a:solidFill>
+                  <a:schemeClr val="dk1"/>
+                </a:solidFill>
+                <a:latin typeface="Economica"/>
+                <a:ea typeface="Economica"/>
+                <a:cs typeface="Economica"/>
+                <a:sym typeface="Economica"/>
               </a:defRPr>
             </a:lvl3pPr>
             <a:lvl4pPr lvl="3" algn="r">
               <a:buNone/>
               <a:defRPr sz="1000">
                 <a:solidFill>
-                  <a:schemeClr val="dk2"/>
-                </a:solidFill>
+                  <a:schemeClr val="dk1"/>
+                </a:solidFill>
+                <a:latin typeface="Economica"/>
+                <a:ea typeface="Economica"/>
+                <a:cs typeface="Economica"/>
+                <a:sym typeface="Economica"/>
               </a:defRPr>
             </a:lvl4pPr>
             <a:lvl5pPr lvl="4" algn="r">
               <a:buNone/>
               <a:defRPr sz="1000">
                 <a:solidFill>
-                  <a:schemeClr val="dk2"/>
-                </a:solidFill>
+                  <a:schemeClr val="dk1"/>
+                </a:solidFill>
+                <a:latin typeface="Economica"/>
+                <a:ea typeface="Economica"/>
+                <a:cs typeface="Economica"/>
+                <a:sym typeface="Economica"/>
               </a:defRPr>
             </a:lvl5pPr>
             <a:lvl6pPr lvl="5" algn="r">
               <a:buNone/>
               <a:defRPr sz="1000">
                 <a:solidFill>
-                  <a:schemeClr val="dk2"/>
-                </a:solidFill>
+                  <a:schemeClr val="dk1"/>
+                </a:solidFill>
+                <a:latin typeface="Economica"/>
+                <a:ea typeface="Economica"/>
+                <a:cs typeface="Economica"/>
+                <a:sym typeface="Economica"/>
               </a:defRPr>
             </a:lvl6pPr>
             <a:lvl7pPr lvl="6" algn="r">
               <a:buNone/>
               <a:defRPr sz="1000">
                 <a:solidFill>
-                  <a:schemeClr val="dk2"/>
-                </a:solidFill>
+                  <a:schemeClr val="dk1"/>
+                </a:solidFill>
+                <a:latin typeface="Economica"/>
+                <a:ea typeface="Economica"/>
+                <a:cs typeface="Economica"/>
+                <a:sym typeface="Economica"/>
               </a:defRPr>
             </a:lvl7pPr>
             <a:lvl8pPr lvl="7" algn="r">
               <a:buNone/>
               <a:defRPr sz="1000">
                 <a:solidFill>
-                  <a:schemeClr val="dk2"/>
-                </a:solidFill>
+                  <a:schemeClr val="dk1"/>
+                </a:solidFill>
+                <a:latin typeface="Economica"/>
+                <a:ea typeface="Economica"/>
+                <a:cs typeface="Economica"/>
+                <a:sym typeface="Economica"/>
               </a:defRPr>
             </a:lvl8pPr>
             <a:lvl9pPr lvl="8" algn="r">
               <a:buNone/>
               <a:defRPr sz="1000">
                 <a:solidFill>
-                  <a:schemeClr val="dk2"/>
-                </a:solidFill>
+                  <a:schemeClr val="dk1"/>
+                </a:solidFill>
+                <a:latin typeface="Economica"/>
+                <a:ea typeface="Economica"/>
+                <a:cs typeface="Economica"/>
+                <a:sym typeface="Economica"/>
               </a:defRPr>
             </a:lvl9pPr>
           </a:lstStyle>
@@ -5806,7 +6596,7 @@
   <p:cSld>
     <p:spTree>
       <p:nvGrpSpPr>
-        <p:cNvPr id="53" name="Shape 53"/>
+        <p:cNvPr id="61" name="Shape 61"/>
         <p:cNvGrpSpPr/>
         <p:nvPr/>
       </p:nvGrpSpPr>
@@ -5820,7 +6610,7 @@
       </p:grpSpPr>
       <p:sp>
         <p:nvSpPr>
-          <p:cNvPr id="54" name="Google Shape;54;p13"/>
+          <p:cNvPr id="62" name="Google Shape;62;p13"/>
           <p:cNvSpPr txBox="1"/>
           <p:nvPr>
             <p:ph type="ctrTitle"/>
@@ -5828,8 +6618,8 @@
         </p:nvSpPr>
         <p:spPr>
           <a:xfrm>
-            <a:off x="311708" y="744575"/>
-            <a:ext cx="8520600" cy="2052600"/>
+            <a:off x="2463600" y="1318300"/>
+            <a:ext cx="4216800" cy="1584300"/>
           </a:xfrm>
           <a:prstGeom prst="rect">
             <a:avLst/>
@@ -5851,16 +6641,26 @@
               <a:buNone/>
             </a:pPr>
             <a:r>
-              <a:rPr lang="en"/>
+              <a:rPr lang="en">
+                <a:latin typeface="Roboto Mono"/>
+                <a:ea typeface="Roboto Mono"/>
+                <a:cs typeface="Roboto Mono"/>
+                <a:sym typeface="Roboto Mono"/>
+              </a:rPr>
               <a:t>RoundTable Presentation</a:t>
             </a:r>
-            <a:endParaRPr/>
+            <a:endParaRPr>
+              <a:latin typeface="Roboto Mono"/>
+              <a:ea typeface="Roboto Mono"/>
+              <a:cs typeface="Roboto Mono"/>
+              <a:sym typeface="Roboto Mono"/>
+            </a:endParaRPr>
           </a:p>
         </p:txBody>
       </p:sp>
       <p:sp>
         <p:nvSpPr>
-          <p:cNvPr id="55" name="Google Shape;55;p13"/>
+          <p:cNvPr id="63" name="Google Shape;63;p13"/>
           <p:cNvSpPr txBox="1"/>
           <p:nvPr>
             <p:ph idx="1" type="subTitle"/>
@@ -5868,8 +6668,8 @@
         </p:nvSpPr>
         <p:spPr>
           <a:xfrm>
-            <a:off x="311700" y="2834125"/>
-            <a:ext cx="8520600" cy="792600"/>
+            <a:off x="3044700" y="3116580"/>
+            <a:ext cx="3054600" cy="701400"/>
           </a:xfrm>
           <a:prstGeom prst="rect">
             <a:avLst/>
@@ -5891,10 +6691,20 @@
               <a:buNone/>
             </a:pPr>
             <a:r>
-              <a:rPr lang="en"/>
+              <a:rPr lang="en">
+                <a:latin typeface="Roboto Mono"/>
+                <a:ea typeface="Roboto Mono"/>
+                <a:cs typeface="Roboto Mono"/>
+                <a:sym typeface="Roboto Mono"/>
+              </a:rPr>
               <a:t>Samantha Skinner</a:t>
             </a:r>
-            <a:endParaRPr/>
+            <a:endParaRPr>
+              <a:latin typeface="Roboto Mono"/>
+              <a:ea typeface="Roboto Mono"/>
+              <a:cs typeface="Roboto Mono"/>
+              <a:sym typeface="Roboto Mono"/>
+            </a:endParaRPr>
           </a:p>
         </p:txBody>
       </p:sp>
@@ -5911,7 +6721,7 @@
   <p:cSld>
     <p:spTree>
       <p:nvGrpSpPr>
-        <p:cNvPr id="59" name="Shape 59"/>
+        <p:cNvPr id="67" name="Shape 67"/>
         <p:cNvGrpSpPr/>
         <p:nvPr/>
       </p:nvGrpSpPr>
@@ -5925,7 +6735,7 @@
       </p:grpSpPr>
       <p:sp>
         <p:nvSpPr>
-          <p:cNvPr id="60" name="Google Shape;60;p14"/>
+          <p:cNvPr id="68" name="Google Shape;68;p14"/>
           <p:cNvSpPr txBox="1"/>
           <p:nvPr>
             <p:ph type="title"/>
@@ -5941,7 +6751,7 @@
           </a:prstGeom>
         </p:spPr>
         <p:txBody>
-          <a:bodyPr anchorCtr="0" anchor="t" bIns="91425" lIns="91425" spcFirstLastPara="1" rIns="91425" wrap="square" tIns="91425">
+          <a:bodyPr anchorCtr="0" anchor="b" bIns="91425" lIns="91425" spcFirstLastPara="1" rIns="91425" wrap="square" tIns="91425">
             <a:noAutofit/>
           </a:bodyPr>
           <a:lstStyle/>
@@ -6074,7 +6884,7 @@
       </p:sp>
       <p:sp>
         <p:nvSpPr>
-          <p:cNvPr id="61" name="Google Shape;61;p14"/>
+          <p:cNvPr id="69" name="Google Shape;69;p14"/>
           <p:cNvSpPr txBox="1"/>
           <p:nvPr>
             <p:ph idx="1" type="body"/>
@@ -6361,7 +7171,7 @@
       </p:sp>
       <p:pic>
         <p:nvPicPr>
-          <p:cNvPr id="62" name="Google Shape;62;p14"/>
+          <p:cNvPr id="70" name="Google Shape;70;p14"/>
           <p:cNvPicPr preferRelativeResize="0"/>
           <p:nvPr/>
         </p:nvPicPr>
@@ -6389,7 +7199,7 @@
       </p:pic>
       <p:pic>
         <p:nvPicPr>
-          <p:cNvPr id="63" name="Google Shape;63;p14"/>
+          <p:cNvPr id="71" name="Google Shape;71;p14"/>
           <p:cNvPicPr preferRelativeResize="0"/>
           <p:nvPr/>
         </p:nvPicPr>
@@ -6428,7 +7238,7 @@
   <p:cSld>
     <p:spTree>
       <p:nvGrpSpPr>
-        <p:cNvPr id="67" name="Shape 67"/>
+        <p:cNvPr id="75" name="Shape 75"/>
         <p:cNvGrpSpPr/>
         <p:nvPr/>
       </p:nvGrpSpPr>
@@ -6442,7 +7252,7 @@
       </p:grpSpPr>
       <p:sp>
         <p:nvSpPr>
-          <p:cNvPr id="68" name="Google Shape;68;p15"/>
+          <p:cNvPr id="76" name="Google Shape;76;p15"/>
           <p:cNvSpPr txBox="1"/>
           <p:nvPr>
             <p:ph type="title"/>
@@ -6458,7 +7268,7 @@
           </a:prstGeom>
         </p:spPr>
         <p:txBody>
-          <a:bodyPr anchorCtr="0" anchor="t" bIns="91425" lIns="91425" spcFirstLastPara="1" rIns="91425" wrap="square" tIns="91425">
+          <a:bodyPr anchorCtr="0" anchor="b" bIns="91425" lIns="91425" spcFirstLastPara="1" rIns="91425" wrap="square" tIns="91425">
             <a:noAutofit/>
           </a:bodyPr>
           <a:lstStyle/>
@@ -6734,7 +7544,7 @@
       </p:sp>
       <p:sp>
         <p:nvSpPr>
-          <p:cNvPr id="69" name="Google Shape;69;p15"/>
+          <p:cNvPr id="77" name="Google Shape;77;p15"/>
           <p:cNvSpPr txBox="1"/>
           <p:nvPr>
             <p:ph idx="1" type="body"/>
@@ -7228,7 +8038,7 @@
       </p:sp>
       <p:pic>
         <p:nvPicPr>
-          <p:cNvPr id="70" name="Google Shape;70;p15"/>
+          <p:cNvPr id="78" name="Google Shape;78;p15"/>
           <p:cNvPicPr preferRelativeResize="0"/>
           <p:nvPr/>
         </p:nvPicPr>
@@ -7256,7 +8066,7 @@
       </p:pic>
       <p:pic>
         <p:nvPicPr>
-          <p:cNvPr id="71" name="Google Shape;71;p15"/>
+          <p:cNvPr id="79" name="Google Shape;79;p15"/>
           <p:cNvPicPr preferRelativeResize="0"/>
           <p:nvPr/>
         </p:nvPicPr>
@@ -7295,7 +8105,7 @@
   <p:cSld>
     <p:spTree>
       <p:nvGrpSpPr>
-        <p:cNvPr id="75" name="Shape 75"/>
+        <p:cNvPr id="83" name="Shape 83"/>
         <p:cNvGrpSpPr/>
         <p:nvPr/>
       </p:nvGrpSpPr>
@@ -7309,7 +8119,7 @@
       </p:grpSpPr>
       <p:sp>
         <p:nvSpPr>
-          <p:cNvPr id="76" name="Google Shape;76;p16"/>
+          <p:cNvPr id="84" name="Google Shape;84;p16"/>
           <p:cNvSpPr txBox="1"/>
           <p:nvPr>
             <p:ph type="title"/>
@@ -7325,7 +8135,7 @@
           </a:prstGeom>
         </p:spPr>
         <p:txBody>
-          <a:bodyPr anchorCtr="0" anchor="t" bIns="91425" lIns="91425" spcFirstLastPara="1" rIns="91425" wrap="square" tIns="91425">
+          <a:bodyPr anchorCtr="0" anchor="b" bIns="91425" lIns="91425" spcFirstLastPara="1" rIns="91425" wrap="square" tIns="91425">
             <a:noAutofit/>
           </a:bodyPr>
           <a:lstStyle/>
@@ -7440,7 +8250,7 @@
       </p:sp>
       <p:sp>
         <p:nvSpPr>
-          <p:cNvPr id="77" name="Google Shape;77;p16"/>
+          <p:cNvPr id="85" name="Google Shape;85;p16"/>
           <p:cNvSpPr txBox="1"/>
           <p:nvPr>
             <p:ph idx="1" type="body"/>
@@ -7649,7 +8459,7 @@
       </p:sp>
       <p:pic>
         <p:nvPicPr>
-          <p:cNvPr id="78" name="Google Shape;78;p16"/>
+          <p:cNvPr id="86" name="Google Shape;86;p16"/>
           <p:cNvPicPr preferRelativeResize="0"/>
           <p:nvPr/>
         </p:nvPicPr>
@@ -7677,7 +8487,7 @@
       </p:pic>
       <p:pic>
         <p:nvPicPr>
-          <p:cNvPr id="79" name="Google Shape;79;p16"/>
+          <p:cNvPr id="87" name="Google Shape;87;p16"/>
           <p:cNvPicPr preferRelativeResize="0"/>
           <p:nvPr/>
         </p:nvPicPr>
@@ -7705,7 +8515,7 @@
       </p:pic>
       <p:pic>
         <p:nvPicPr>
-          <p:cNvPr id="80" name="Google Shape;80;p16"/>
+          <p:cNvPr id="88" name="Google Shape;88;p16"/>
           <p:cNvPicPr preferRelativeResize="0"/>
           <p:nvPr/>
         </p:nvPicPr>
@@ -7744,7 +8554,7 @@
   <p:cSld>
     <p:spTree>
       <p:nvGrpSpPr>
-        <p:cNvPr id="84" name="Shape 84"/>
+        <p:cNvPr id="92" name="Shape 92"/>
         <p:cNvGrpSpPr/>
         <p:nvPr/>
       </p:nvGrpSpPr>
@@ -7758,7 +8568,7 @@
       </p:grpSpPr>
       <p:sp>
         <p:nvSpPr>
-          <p:cNvPr id="85" name="Google Shape;85;p17"/>
+          <p:cNvPr id="93" name="Google Shape;93;p17"/>
           <p:cNvSpPr txBox="1"/>
           <p:nvPr>
             <p:ph type="title"/>
@@ -7774,7 +8584,7 @@
           </a:prstGeom>
         </p:spPr>
         <p:txBody>
-          <a:bodyPr anchorCtr="0" anchor="t" bIns="91425" lIns="91425" spcFirstLastPara="1" rIns="91425" wrap="square" tIns="91425">
+          <a:bodyPr anchorCtr="0" anchor="b" bIns="91425" lIns="91425" spcFirstLastPara="1" rIns="91425" wrap="square" tIns="91425">
             <a:noAutofit/>
           </a:bodyPr>
           <a:lstStyle/>
@@ -7975,7 +8785,7 @@
       </p:sp>
       <p:sp>
         <p:nvSpPr>
-          <p:cNvPr id="86" name="Google Shape;86;p17"/>
+          <p:cNvPr id="94" name="Google Shape;94;p17"/>
           <p:cNvSpPr txBox="1"/>
           <p:nvPr>
             <p:ph idx="1" type="body"/>
@@ -8569,7 +9379,7 @@
       </p:sp>
       <p:pic>
         <p:nvPicPr>
-          <p:cNvPr id="87" name="Google Shape;87;p17"/>
+          <p:cNvPr id="95" name="Google Shape;95;p17"/>
           <p:cNvPicPr preferRelativeResize="0"/>
           <p:nvPr/>
         </p:nvPicPr>
@@ -8597,7 +9407,7 @@
       </p:pic>
       <p:pic>
         <p:nvPicPr>
-          <p:cNvPr id="88" name="Google Shape;88;p17"/>
+          <p:cNvPr id="96" name="Google Shape;96;p17"/>
           <p:cNvPicPr preferRelativeResize="0"/>
           <p:nvPr/>
         </p:nvPicPr>
@@ -8632,9 +9442,9 @@
 </file>
 
 <file path=ppt/theme/theme1.xml><?xml version="1.0" encoding="utf-8"?>
-<a:theme xmlns:a="http://schemas.openxmlformats.org/drawingml/2006/main" xmlns:r="http://schemas.openxmlformats.org/officeDocument/2006/relationships" name="Simple Light">
+<a:theme xmlns:a="http://schemas.openxmlformats.org/drawingml/2006/main" xmlns:r="http://schemas.openxmlformats.org/officeDocument/2006/relationships" name="Luxe">
   <a:themeElements>
-    <a:clrScheme name="Simple Light">
+    <a:clrScheme name="Luxe">
       <a:dk1>
         <a:srgbClr val="000000"/>
       </a:dk1>
@@ -8642,34 +9452,34 @@
         <a:srgbClr val="FFFFFF"/>
       </a:lt1>
       <a:dk2>
-        <a:srgbClr val="595959"/>
+        <a:srgbClr val="B7B7B7"/>
       </a:dk2>
       <a:lt2>
-        <a:srgbClr val="EEEEEE"/>
+        <a:srgbClr val="CCA677"/>
       </a:lt2>
       <a:accent1>
-        <a:srgbClr val="FFAB40"/>
+        <a:srgbClr val="5D4037"/>
       </a:accent1>
       <a:accent2>
-        <a:srgbClr val="212121"/>
+        <a:srgbClr val="455A64"/>
       </a:accent2>
       <a:accent3>
-        <a:srgbClr val="78909C"/>
+        <a:srgbClr val="607D8B"/>
       </a:accent3>
       <a:accent4>
-        <a:srgbClr val="FFAB40"/>
+        <a:srgbClr val="78909C"/>
       </a:accent4>
       <a:accent5>
-        <a:srgbClr val="0097A7"/>
+        <a:srgbClr val="57BB8A"/>
       </a:accent5>
       <a:accent6>
-        <a:srgbClr val="EEFF41"/>
+        <a:srgbClr val="DCE755"/>
       </a:accent6>
       <a:hlink>
-        <a:srgbClr val="0097A7"/>
+        <a:srgbClr val="57BB8A"/>
       </a:hlink>
       <a:folHlink>
-        <a:srgbClr val="0097A7"/>
+        <a:srgbClr val="57BB8A"/>
       </a:folHlink>
     </a:clrScheme>
     <a:fontScheme name="Office">
